--- a/Sync Pulsating Particles.pptx
+++ b/Sync Pulsating Particles.pptx
@@ -1105,7 +1105,7 @@
           <a:p>
             <a:fld id="{3CFB4EA5-11AB-41EA-8173-A20817411FC9}" type="datetimeFigureOut">
               <a:rPr lang="en-US" smtClean="0"/>
-              <a:t>12/5/2025</a:t>
+              <a:t>12/7/2025</a:t>
             </a:fld>
             <a:endParaRPr lang="en-US"/>
           </a:p>
@@ -1303,7 +1303,7 @@
           <a:p>
             <a:fld id="{3CFB4EA5-11AB-41EA-8173-A20817411FC9}" type="datetimeFigureOut">
               <a:rPr lang="en-US" smtClean="0"/>
-              <a:t>12/5/2025</a:t>
+              <a:t>12/7/2025</a:t>
             </a:fld>
             <a:endParaRPr lang="en-US"/>
           </a:p>
@@ -1511,7 +1511,7 @@
           <a:p>
             <a:fld id="{3CFB4EA5-11AB-41EA-8173-A20817411FC9}" type="datetimeFigureOut">
               <a:rPr lang="en-US" smtClean="0"/>
-              <a:t>12/5/2025</a:t>
+              <a:t>12/7/2025</a:t>
             </a:fld>
             <a:endParaRPr lang="en-US"/>
           </a:p>
@@ -1709,7 +1709,7 @@
           <a:p>
             <a:fld id="{3CFB4EA5-11AB-41EA-8173-A20817411FC9}" type="datetimeFigureOut">
               <a:rPr lang="en-US" smtClean="0"/>
-              <a:t>12/5/2025</a:t>
+              <a:t>12/7/2025</a:t>
             </a:fld>
             <a:endParaRPr lang="en-US"/>
           </a:p>
@@ -1984,7 +1984,7 @@
           <a:p>
             <a:fld id="{3CFB4EA5-11AB-41EA-8173-A20817411FC9}" type="datetimeFigureOut">
               <a:rPr lang="en-US" smtClean="0"/>
-              <a:t>12/5/2025</a:t>
+              <a:t>12/7/2025</a:t>
             </a:fld>
             <a:endParaRPr lang="en-US"/>
           </a:p>
@@ -2249,7 +2249,7 @@
           <a:p>
             <a:fld id="{3CFB4EA5-11AB-41EA-8173-A20817411FC9}" type="datetimeFigureOut">
               <a:rPr lang="en-US" smtClean="0"/>
-              <a:t>12/5/2025</a:t>
+              <a:t>12/7/2025</a:t>
             </a:fld>
             <a:endParaRPr lang="en-US"/>
           </a:p>
@@ -2661,7 +2661,7 @@
           <a:p>
             <a:fld id="{3CFB4EA5-11AB-41EA-8173-A20817411FC9}" type="datetimeFigureOut">
               <a:rPr lang="en-US" smtClean="0"/>
-              <a:t>12/5/2025</a:t>
+              <a:t>12/7/2025</a:t>
             </a:fld>
             <a:endParaRPr lang="en-US"/>
           </a:p>
@@ -2802,7 +2802,7 @@
           <a:p>
             <a:fld id="{3CFB4EA5-11AB-41EA-8173-A20817411FC9}" type="datetimeFigureOut">
               <a:rPr lang="en-US" smtClean="0"/>
-              <a:t>12/5/2025</a:t>
+              <a:t>12/7/2025</a:t>
             </a:fld>
             <a:endParaRPr lang="en-US"/>
           </a:p>
@@ -2915,7 +2915,7 @@
           <a:p>
             <a:fld id="{3CFB4EA5-11AB-41EA-8173-A20817411FC9}" type="datetimeFigureOut">
               <a:rPr lang="en-US" smtClean="0"/>
-              <a:t>12/5/2025</a:t>
+              <a:t>12/7/2025</a:t>
             </a:fld>
             <a:endParaRPr lang="en-US"/>
           </a:p>
@@ -3226,7 +3226,7 @@
           <a:p>
             <a:fld id="{3CFB4EA5-11AB-41EA-8173-A20817411FC9}" type="datetimeFigureOut">
               <a:rPr lang="en-US" smtClean="0"/>
-              <a:t>12/5/2025</a:t>
+              <a:t>12/7/2025</a:t>
             </a:fld>
             <a:endParaRPr lang="en-US"/>
           </a:p>
@@ -3514,7 +3514,7 @@
           <a:p>
             <a:fld id="{3CFB4EA5-11AB-41EA-8173-A20817411FC9}" type="datetimeFigureOut">
               <a:rPr lang="en-US" smtClean="0"/>
-              <a:t>12/5/2025</a:t>
+              <a:t>12/7/2025</a:t>
             </a:fld>
             <a:endParaRPr lang="en-US"/>
           </a:p>
@@ -3755,7 +3755,7 @@
           <a:p>
             <a:fld id="{3CFB4EA5-11AB-41EA-8173-A20817411FC9}" type="datetimeFigureOut">
               <a:rPr lang="en-US" smtClean="0"/>
-              <a:t>12/5/2025</a:t>
+              <a:t>12/7/2025</a:t>
             </a:fld>
             <a:endParaRPr lang="en-US"/>
           </a:p>
@@ -14879,8 +14879,8 @@
           </a:p>
         </p:txBody>
       </p:sp>
-      <mc:AlternateContent xmlns:mc="http://schemas.openxmlformats.org/markup-compatibility/2006">
-        <mc:Choice xmlns:a14="http://schemas.microsoft.com/office/drawing/2010/main" Requires="a14">
+      <mc:AlternateContent xmlns:mc="http://schemas.openxmlformats.org/markup-compatibility/2006" xmlns:a14="http://schemas.microsoft.com/office/drawing/2010/main">
+        <mc:Choice Requires="a14">
           <p:sp>
             <p:nvSpPr>
               <p:cNvPr id="10" name="TextBox 9">
@@ -15114,7 +15114,7 @@
             </p:txBody>
           </p:sp>
         </mc:Choice>
-        <mc:Fallback>
+        <mc:Fallback xmlns="">
           <p:sp>
             <p:nvSpPr>
               <p:cNvPr id="10" name="TextBox 9">
@@ -16426,8 +16426,8 @@
           </a:p>
         </p:txBody>
       </p:sp>
-      <mc:AlternateContent xmlns:mc="http://schemas.openxmlformats.org/markup-compatibility/2006">
-        <mc:Choice xmlns:a14="http://schemas.microsoft.com/office/drawing/2010/main" Requires="a14">
+      <mc:AlternateContent xmlns:mc="http://schemas.openxmlformats.org/markup-compatibility/2006" xmlns:a14="http://schemas.microsoft.com/office/drawing/2010/main">
+        <mc:Choice Requires="a14">
           <p:sp>
             <p:nvSpPr>
               <p:cNvPr id="10" name="TextBox 9">
@@ -16555,7 +16555,7 @@
             </p:txBody>
           </p:sp>
         </mc:Choice>
-        <mc:Fallback>
+        <mc:Fallback xmlns="">
           <p:sp>
             <p:nvSpPr>
               <p:cNvPr id="10" name="TextBox 9">
@@ -16600,8 +16600,8 @@
           </p:sp>
         </mc:Fallback>
       </mc:AlternateContent>
-      <mc:AlternateContent xmlns:mc="http://schemas.openxmlformats.org/markup-compatibility/2006">
-        <mc:Choice xmlns:a14="http://schemas.microsoft.com/office/drawing/2010/main" Requires="a14">
+      <mc:AlternateContent xmlns:mc="http://schemas.openxmlformats.org/markup-compatibility/2006" xmlns:a14="http://schemas.microsoft.com/office/drawing/2010/main">
+        <mc:Choice Requires="a14">
           <p:sp>
             <p:nvSpPr>
               <p:cNvPr id="2" name="TextBox 1">
@@ -16872,7 +16872,7 @@
             </p:txBody>
           </p:sp>
         </mc:Choice>
-        <mc:Fallback>
+        <mc:Fallback xmlns="">
           <p:sp>
             <p:nvSpPr>
               <p:cNvPr id="2" name="TextBox 1">
@@ -16917,8 +16917,8 @@
           </p:sp>
         </mc:Fallback>
       </mc:AlternateContent>
-      <mc:AlternateContent xmlns:mc="http://schemas.openxmlformats.org/markup-compatibility/2006">
-        <mc:Choice xmlns:a14="http://schemas.microsoft.com/office/drawing/2010/main" Requires="a14">
+      <mc:AlternateContent xmlns:mc="http://schemas.openxmlformats.org/markup-compatibility/2006" xmlns:a14="http://schemas.microsoft.com/office/drawing/2010/main">
+        <mc:Choice Requires="a14">
           <p:sp>
             <p:nvSpPr>
               <p:cNvPr id="3" name="TextBox 2">
@@ -17147,7 +17147,7 @@
             </p:txBody>
           </p:sp>
         </mc:Choice>
-        <mc:Fallback>
+        <mc:Fallback xmlns="">
           <p:sp>
             <p:nvSpPr>
               <p:cNvPr id="3" name="TextBox 2">
@@ -17192,8 +17192,8 @@
           </p:sp>
         </mc:Fallback>
       </mc:AlternateContent>
-      <mc:AlternateContent xmlns:mc="http://schemas.openxmlformats.org/markup-compatibility/2006">
-        <mc:Choice xmlns:a14="http://schemas.microsoft.com/office/drawing/2010/main" Requires="a14">
+      <mc:AlternateContent xmlns:mc="http://schemas.openxmlformats.org/markup-compatibility/2006" xmlns:a14="http://schemas.microsoft.com/office/drawing/2010/main">
+        <mc:Choice Requires="a14">
           <p:sp>
             <p:nvSpPr>
               <p:cNvPr id="9" name="TextBox 8">
@@ -17409,7 +17409,7 @@
             </p:txBody>
           </p:sp>
         </mc:Choice>
-        <mc:Fallback>
+        <mc:Fallback xmlns="">
           <p:sp>
             <p:nvSpPr>
               <p:cNvPr id="9" name="TextBox 8">
@@ -17646,8 +17646,8 @@
           </a:p>
         </p:txBody>
       </p:sp>
-      <mc:AlternateContent xmlns:mc="http://schemas.openxmlformats.org/markup-compatibility/2006">
-        <mc:Choice xmlns:a14="http://schemas.microsoft.com/office/drawing/2010/main" Requires="a14">
+      <mc:AlternateContent xmlns:mc="http://schemas.openxmlformats.org/markup-compatibility/2006" xmlns:a14="http://schemas.microsoft.com/office/drawing/2010/main">
+        <mc:Choice Requires="a14">
           <p:sp>
             <p:nvSpPr>
               <p:cNvPr id="6" name="TextBox 5">
@@ -17676,6 +17676,7 @@
               </a:bodyPr>
               <a:lstStyle/>
               <a:p>
+                <a:pPr/>
                 <a14:m>
                   <m:oMathPara xmlns:m="http://schemas.openxmlformats.org/officeDocument/2006/math">
                     <m:oMathParaPr>
@@ -17863,7 +17864,7 @@
             </p:txBody>
           </p:sp>
         </mc:Choice>
-        <mc:Fallback>
+        <mc:Fallback xmlns="">
           <p:sp>
             <p:nvSpPr>
               <p:cNvPr id="6" name="TextBox 5">
@@ -17908,8 +17909,8 @@
           </p:sp>
         </mc:Fallback>
       </mc:AlternateContent>
-      <mc:AlternateContent xmlns:mc="http://schemas.openxmlformats.org/markup-compatibility/2006">
-        <mc:Choice xmlns:a14="http://schemas.microsoft.com/office/drawing/2010/main" Requires="a14">
+      <mc:AlternateContent xmlns:mc="http://schemas.openxmlformats.org/markup-compatibility/2006" xmlns:a14="http://schemas.microsoft.com/office/drawing/2010/main">
+        <mc:Choice Requires="a14">
           <p:sp>
             <p:nvSpPr>
               <p:cNvPr id="7" name="TextBox 6">
@@ -17938,6 +17939,7 @@
               </a:bodyPr>
               <a:lstStyle/>
               <a:p>
+                <a:pPr/>
                 <a14:m>
                   <m:oMathPara xmlns:m="http://schemas.openxmlformats.org/officeDocument/2006/math">
                     <m:oMathParaPr>
@@ -18003,6 +18005,7 @@
                     </m:oMath>
                   </m:oMathPara>
                 </a14:m>
+                <a:endParaRPr/>
               </a:p>
               <a:p>
                 <a:endParaRPr lang="en-US" dirty="0"/>
@@ -18010,7 +18013,7 @@
             </p:txBody>
           </p:sp>
         </mc:Choice>
-        <mc:Fallback>
+        <mc:Fallback xmlns="">
           <p:sp>
             <p:nvSpPr>
               <p:cNvPr id="7" name="TextBox 6">
@@ -18451,7 +18454,7 @@
         <p:spPr>
           <a:xfrm>
             <a:off x="2732844" y="31288"/>
-            <a:ext cx="7470891" cy="369332"/>
+            <a:ext cx="7583102" cy="369332"/>
           </a:xfrm>
           <a:prstGeom prst="rect">
             <a:avLst/>
@@ -18473,6 +18476,230 @@
           </a:p>
         </p:txBody>
       </p:sp>
+      <mc:AlternateContent xmlns:mc="http://schemas.openxmlformats.org/markup-compatibility/2006">
+        <mc:Choice xmlns:a14="http://schemas.microsoft.com/office/drawing/2010/main" Requires="a14">
+          <p:sp>
+            <p:nvSpPr>
+              <p:cNvPr id="5" name="TextBox 4">
+                <a:extLst>
+                  <a:ext uri="{FF2B5EF4-FFF2-40B4-BE49-F238E27FC236}">
+                    <a16:creationId xmlns:a16="http://schemas.microsoft.com/office/drawing/2014/main" id="{E912EFA8-3A6C-EF68-C6F8-453A7D29D780}"/>
+                  </a:ext>
+                </a:extLst>
+              </p:cNvPr>
+              <p:cNvSpPr txBox="1"/>
+              <p:nvPr/>
+            </p:nvSpPr>
+            <p:spPr>
+              <a:xfrm>
+                <a:off x="434340" y="630674"/>
+                <a:ext cx="1371600" cy="369332"/>
+              </a:xfrm>
+              <a:prstGeom prst="rect">
+                <a:avLst/>
+              </a:prstGeom>
+              <a:noFill/>
+            </p:spPr>
+            <p:txBody>
+              <a:bodyPr wrap="square">
+                <a:spAutoFit/>
+              </a:bodyPr>
+              <a:lstStyle/>
+              <a:p>
+                <a:pPr/>
+                <a14:m>
+                  <m:oMathPara xmlns:m="http://schemas.openxmlformats.org/officeDocument/2006/math">
+                    <m:oMathParaPr>
+                      <m:jc m:val="centerGroup"/>
+                    </m:oMathParaPr>
+                    <m:oMath xmlns:m="http://schemas.openxmlformats.org/officeDocument/2006/math">
+                      <m:r>
+                        <a:rPr lang="en-US" i="1" smtClean="0">
+                          <a:latin typeface="Cambria Math" panose="02040503050406030204" pitchFamily="18" charset="0"/>
+                          <a:ea typeface="Cambria Math" panose="02040503050406030204" pitchFamily="18" charset="0"/>
+                        </a:rPr>
+                        <m:t>𝜔</m:t>
+                      </m:r>
+                      <m:r>
+                        <a:rPr lang="en-US" b="0" i="1" smtClean="0">
+                          <a:latin typeface="Cambria Math" panose="02040503050406030204" pitchFamily="18" charset="0"/>
+                          <a:ea typeface="Cambria Math" panose="02040503050406030204" pitchFamily="18" charset="0"/>
+                        </a:rPr>
+                        <m:t>=0.1</m:t>
+                      </m:r>
+                    </m:oMath>
+                  </m:oMathPara>
+                </a14:m>
+                <a:endParaRPr lang="en-US" dirty="0"/>
+              </a:p>
+            </p:txBody>
+          </p:sp>
+        </mc:Choice>
+        <mc:Fallback>
+          <p:sp>
+            <p:nvSpPr>
+              <p:cNvPr id="5" name="TextBox 4">
+                <a:extLst>
+                  <a:ext uri="{FF2B5EF4-FFF2-40B4-BE49-F238E27FC236}">
+                    <a16:creationId xmlns:a16="http://schemas.microsoft.com/office/drawing/2014/main" id="{E912EFA8-3A6C-EF68-C6F8-453A7D29D780}"/>
+                  </a:ext>
+                </a:extLst>
+              </p:cNvPr>
+              <p:cNvSpPr txBox="1">
+                <a:spLocks noRot="1" noChangeAspect="1" noMove="1" noResize="1" noEditPoints="1" noAdjustHandles="1" noChangeArrowheads="1" noChangeShapeType="1" noTextEdit="1"/>
+              </p:cNvSpPr>
+              <p:nvPr/>
+            </p:nvSpPr>
+            <p:spPr>
+              <a:xfrm>
+                <a:off x="434340" y="630674"/>
+                <a:ext cx="1371600" cy="369332"/>
+              </a:xfrm>
+              <a:prstGeom prst="rect">
+                <a:avLst/>
+              </a:prstGeom>
+              <a:blipFill>
+                <a:blip r:embed="rId2"/>
+                <a:stretch>
+                  <a:fillRect/>
+                </a:stretch>
+              </a:blipFill>
+            </p:spPr>
+            <p:txBody>
+              <a:bodyPr/>
+              <a:lstStyle/>
+              <a:p>
+                <a:r>
+                  <a:rPr lang="en-US">
+                    <a:noFill/>
+                  </a:rPr>
+                  <a:t> </a:t>
+                </a:r>
+              </a:p>
+            </p:txBody>
+          </p:sp>
+        </mc:Fallback>
+      </mc:AlternateContent>
+      <p:pic>
+        <p:nvPicPr>
+          <p:cNvPr id="7" name="Picture 6">
+            <a:extLst>
+              <a:ext uri="{FF2B5EF4-FFF2-40B4-BE49-F238E27FC236}">
+                <a16:creationId xmlns:a16="http://schemas.microsoft.com/office/drawing/2014/main" id="{64064A15-8B90-F9C6-80CC-649D1BF92750}"/>
+              </a:ext>
+            </a:extLst>
+          </p:cNvPr>
+          <p:cNvPicPr>
+            <a:picLocks noChangeAspect="1"/>
+          </p:cNvPicPr>
+          <p:nvPr/>
+        </p:nvPicPr>
+        <p:blipFill>
+          <a:blip r:embed="rId3"/>
+          <a:stretch>
+            <a:fillRect/>
+          </a:stretch>
+        </p:blipFill>
+        <p:spPr>
+          <a:xfrm>
+            <a:off x="327660" y="1549710"/>
+            <a:ext cx="2743200" cy="1992702"/>
+          </a:xfrm>
+          <a:prstGeom prst="rect">
+            <a:avLst/>
+          </a:prstGeom>
+        </p:spPr>
+      </p:pic>
+      <p:pic>
+        <p:nvPicPr>
+          <p:cNvPr id="9" name="Picture 8">
+            <a:extLst>
+              <a:ext uri="{FF2B5EF4-FFF2-40B4-BE49-F238E27FC236}">
+                <a16:creationId xmlns:a16="http://schemas.microsoft.com/office/drawing/2014/main" id="{9EED3FB9-29BF-976E-F2F8-6C66C071822E}"/>
+              </a:ext>
+            </a:extLst>
+          </p:cNvPr>
+          <p:cNvPicPr>
+            <a:picLocks noChangeAspect="1"/>
+          </p:cNvPicPr>
+          <p:nvPr/>
+        </p:nvPicPr>
+        <p:blipFill>
+          <a:blip r:embed="rId4"/>
+          <a:stretch>
+            <a:fillRect/>
+          </a:stretch>
+        </p:blipFill>
+        <p:spPr>
+          <a:xfrm>
+            <a:off x="3428032" y="1549710"/>
+            <a:ext cx="2743200" cy="1992702"/>
+          </a:xfrm>
+          <a:prstGeom prst="rect">
+            <a:avLst/>
+          </a:prstGeom>
+        </p:spPr>
+      </p:pic>
+      <p:pic>
+        <p:nvPicPr>
+          <p:cNvPr id="11" name="Picture 10">
+            <a:extLst>
+              <a:ext uri="{FF2B5EF4-FFF2-40B4-BE49-F238E27FC236}">
+                <a16:creationId xmlns:a16="http://schemas.microsoft.com/office/drawing/2014/main" id="{5B26B4E5-D5FC-8388-079F-AD8EA2436763}"/>
+              </a:ext>
+            </a:extLst>
+          </p:cNvPr>
+          <p:cNvPicPr>
+            <a:picLocks noChangeAspect="1"/>
+          </p:cNvPicPr>
+          <p:nvPr/>
+        </p:nvPicPr>
+        <p:blipFill>
+          <a:blip r:embed="rId5"/>
+          <a:stretch>
+            <a:fillRect/>
+          </a:stretch>
+        </p:blipFill>
+        <p:spPr>
+          <a:xfrm>
+            <a:off x="6524395" y="1549710"/>
+            <a:ext cx="2743200" cy="1992702"/>
+          </a:xfrm>
+          <a:prstGeom prst="rect">
+            <a:avLst/>
+          </a:prstGeom>
+        </p:spPr>
+      </p:pic>
+      <p:pic>
+        <p:nvPicPr>
+          <p:cNvPr id="13" name="Picture 12">
+            <a:extLst>
+              <a:ext uri="{FF2B5EF4-FFF2-40B4-BE49-F238E27FC236}">
+                <a16:creationId xmlns:a16="http://schemas.microsoft.com/office/drawing/2014/main" id="{6CD41466-FD48-C143-3BBF-945935F5E23F}"/>
+              </a:ext>
+            </a:extLst>
+          </p:cNvPr>
+          <p:cNvPicPr>
+            <a:picLocks noChangeAspect="1"/>
+          </p:cNvPicPr>
+          <p:nvPr/>
+        </p:nvPicPr>
+        <p:blipFill>
+          <a:blip r:embed="rId6"/>
+          <a:stretch>
+            <a:fillRect/>
+          </a:stretch>
+        </p:blipFill>
+        <p:spPr>
+          <a:xfrm>
+            <a:off x="9448800" y="1549710"/>
+            <a:ext cx="2743200" cy="1992702"/>
+          </a:xfrm>
+          <a:prstGeom prst="rect">
+            <a:avLst/>
+          </a:prstGeom>
+        </p:spPr>
+      </p:pic>
     </p:spTree>
     <p:extLst>
       <p:ext uri="{BB962C8B-B14F-4D97-AF65-F5344CB8AC3E}">
@@ -18540,6 +18767,441 @@
           </a:p>
         </p:txBody>
       </p:sp>
+      <p:pic>
+        <p:nvPicPr>
+          <p:cNvPr id="3" name="Picture 2">
+            <a:extLst>
+              <a:ext uri="{FF2B5EF4-FFF2-40B4-BE49-F238E27FC236}">
+                <a16:creationId xmlns:a16="http://schemas.microsoft.com/office/drawing/2014/main" id="{8129E74C-464F-EF55-343E-099C3108EA84}"/>
+              </a:ext>
+            </a:extLst>
+          </p:cNvPr>
+          <p:cNvPicPr>
+            <a:picLocks noChangeAspect="1"/>
+          </p:cNvPicPr>
+          <p:nvPr/>
+        </p:nvPicPr>
+        <p:blipFill>
+          <a:blip r:embed="rId2"/>
+          <a:stretch>
+            <a:fillRect/>
+          </a:stretch>
+        </p:blipFill>
+        <p:spPr>
+          <a:xfrm>
+            <a:off x="355691" y="1080663"/>
+            <a:ext cx="2743200" cy="2035917"/>
+          </a:xfrm>
+          <a:prstGeom prst="rect">
+            <a:avLst/>
+          </a:prstGeom>
+        </p:spPr>
+      </p:pic>
+      <p:pic>
+        <p:nvPicPr>
+          <p:cNvPr id="6" name="Picture 5">
+            <a:extLst>
+              <a:ext uri="{FF2B5EF4-FFF2-40B4-BE49-F238E27FC236}">
+                <a16:creationId xmlns:a16="http://schemas.microsoft.com/office/drawing/2014/main" id="{A2CC45D5-4901-9EF9-2E53-6F64E69FB7F0}"/>
+              </a:ext>
+            </a:extLst>
+          </p:cNvPr>
+          <p:cNvPicPr>
+            <a:picLocks noChangeAspect="1"/>
+          </p:cNvPicPr>
+          <p:nvPr/>
+        </p:nvPicPr>
+        <p:blipFill>
+          <a:blip r:embed="rId3"/>
+          <a:stretch>
+            <a:fillRect/>
+          </a:stretch>
+        </p:blipFill>
+        <p:spPr>
+          <a:xfrm>
+            <a:off x="3439259" y="1080663"/>
+            <a:ext cx="2743200" cy="2035917"/>
+          </a:xfrm>
+          <a:prstGeom prst="rect">
+            <a:avLst/>
+          </a:prstGeom>
+        </p:spPr>
+      </p:pic>
+      <p:pic>
+        <p:nvPicPr>
+          <p:cNvPr id="8" name="Picture 7">
+            <a:extLst>
+              <a:ext uri="{FF2B5EF4-FFF2-40B4-BE49-F238E27FC236}">
+                <a16:creationId xmlns:a16="http://schemas.microsoft.com/office/drawing/2014/main" id="{1E08CBB1-8D5D-8D1D-623F-C10C74A8B1BC}"/>
+              </a:ext>
+            </a:extLst>
+          </p:cNvPr>
+          <p:cNvPicPr>
+            <a:picLocks noChangeAspect="1"/>
+          </p:cNvPicPr>
+          <p:nvPr/>
+        </p:nvPicPr>
+        <p:blipFill>
+          <a:blip r:embed="rId4"/>
+          <a:stretch>
+            <a:fillRect/>
+          </a:stretch>
+        </p:blipFill>
+        <p:spPr>
+          <a:xfrm>
+            <a:off x="4369727" y="1824302"/>
+            <a:ext cx="1509280" cy="1120140"/>
+          </a:xfrm>
+          <a:prstGeom prst="rect">
+            <a:avLst/>
+          </a:prstGeom>
+        </p:spPr>
+      </p:pic>
+      <p:pic>
+        <p:nvPicPr>
+          <p:cNvPr id="10" name="Picture 9">
+            <a:extLst>
+              <a:ext uri="{FF2B5EF4-FFF2-40B4-BE49-F238E27FC236}">
+                <a16:creationId xmlns:a16="http://schemas.microsoft.com/office/drawing/2014/main" id="{97A1C88D-29D1-1E8B-F74F-E999AFD2846C}"/>
+              </a:ext>
+            </a:extLst>
+          </p:cNvPr>
+          <p:cNvPicPr>
+            <a:picLocks noChangeAspect="1"/>
+          </p:cNvPicPr>
+          <p:nvPr/>
+        </p:nvPicPr>
+        <p:blipFill>
+          <a:blip r:embed="rId5"/>
+          <a:stretch>
+            <a:fillRect/>
+          </a:stretch>
+        </p:blipFill>
+        <p:spPr>
+          <a:xfrm>
+            <a:off x="6370796" y="1104794"/>
+            <a:ext cx="2743200" cy="2035917"/>
+          </a:xfrm>
+          <a:prstGeom prst="rect">
+            <a:avLst/>
+          </a:prstGeom>
+        </p:spPr>
+      </p:pic>
+      <p:pic>
+        <p:nvPicPr>
+          <p:cNvPr id="14" name="Picture 13">
+            <a:extLst>
+              <a:ext uri="{FF2B5EF4-FFF2-40B4-BE49-F238E27FC236}">
+                <a16:creationId xmlns:a16="http://schemas.microsoft.com/office/drawing/2014/main" id="{8142DD26-A5C0-D6B4-8754-273BB04E2542}"/>
+              </a:ext>
+            </a:extLst>
+          </p:cNvPr>
+          <p:cNvPicPr>
+            <a:picLocks noChangeAspect="1"/>
+          </p:cNvPicPr>
+          <p:nvPr/>
+        </p:nvPicPr>
+        <p:blipFill>
+          <a:blip r:embed="rId6"/>
+          <a:stretch>
+            <a:fillRect/>
+          </a:stretch>
+        </p:blipFill>
+        <p:spPr>
+          <a:xfrm>
+            <a:off x="9306740" y="1080663"/>
+            <a:ext cx="2743200" cy="2018890"/>
+          </a:xfrm>
+          <a:prstGeom prst="rect">
+            <a:avLst/>
+          </a:prstGeom>
+        </p:spPr>
+      </p:pic>
+      <p:cxnSp>
+        <p:nvCxnSpPr>
+          <p:cNvPr id="16" name="Straight Connector 15">
+            <a:extLst>
+              <a:ext uri="{FF2B5EF4-FFF2-40B4-BE49-F238E27FC236}">
+                <a16:creationId xmlns:a16="http://schemas.microsoft.com/office/drawing/2014/main" id="{74A643D6-8C09-2537-5121-8527BB584A31}"/>
+              </a:ext>
+            </a:extLst>
+          </p:cNvPr>
+          <p:cNvCxnSpPr>
+            <a:cxnSpLocks/>
+          </p:cNvCxnSpPr>
+          <p:nvPr/>
+        </p:nvCxnSpPr>
+        <p:spPr>
+          <a:xfrm>
+            <a:off x="9247411" y="679269"/>
+            <a:ext cx="0" cy="2551611"/>
+          </a:xfrm>
+          <a:prstGeom prst="line">
+            <a:avLst/>
+          </a:prstGeom>
+        </p:spPr>
+        <p:style>
+          <a:lnRef idx="2">
+            <a:schemeClr val="accent1"/>
+          </a:lnRef>
+          <a:fillRef idx="0">
+            <a:schemeClr val="accent1"/>
+          </a:fillRef>
+          <a:effectRef idx="1">
+            <a:schemeClr val="accent1"/>
+          </a:effectRef>
+          <a:fontRef idx="minor">
+            <a:schemeClr val="tx1"/>
+          </a:fontRef>
+        </p:style>
+      </p:cxnSp>
+      <p:sp>
+        <p:nvSpPr>
+          <p:cNvPr id="17" name="TextBox 16">
+            <a:extLst>
+              <a:ext uri="{FF2B5EF4-FFF2-40B4-BE49-F238E27FC236}">
+                <a16:creationId xmlns:a16="http://schemas.microsoft.com/office/drawing/2014/main" id="{5C749B72-DAA2-EF41-720E-1D91B4EC524C}"/>
+              </a:ext>
+            </a:extLst>
+          </p:cNvPr>
+          <p:cNvSpPr txBox="1"/>
+          <p:nvPr/>
+        </p:nvSpPr>
+        <p:spPr>
+          <a:xfrm>
+            <a:off x="6711408" y="3221306"/>
+            <a:ext cx="2061975" cy="830997"/>
+          </a:xfrm>
+          <a:prstGeom prst="rect">
+            <a:avLst/>
+          </a:prstGeom>
+          <a:noFill/>
+        </p:spPr>
+        <p:txBody>
+          <a:bodyPr wrap="none" rtlCol="0">
+            <a:spAutoFit/>
+          </a:bodyPr>
+          <a:lstStyle/>
+          <a:p>
+            <a:r>
+              <a:rPr lang="en-US" sz="1200" dirty="0"/>
+              <a:t>Why Asymmetry?</a:t>
+            </a:r>
+            <a:br>
+              <a:rPr lang="en-US" sz="1200" dirty="0"/>
+            </a:br>
+            <a:br>
+              <a:rPr lang="en-US" sz="1200" dirty="0"/>
+            </a:br>
+            <a:r>
+              <a:rPr lang="en-US" sz="1200" dirty="0"/>
+              <a:t>Because LJ, easier for </a:t>
+            </a:r>
+          </a:p>
+          <a:p>
+            <a:r>
+              <a:rPr lang="en-US" sz="1200" dirty="0"/>
+              <a:t>Separation, hard for merging</a:t>
+            </a:r>
+          </a:p>
+        </p:txBody>
+      </p:sp>
+      <p:pic>
+        <p:nvPicPr>
+          <p:cNvPr id="20" name="Picture 19">
+            <a:extLst>
+              <a:ext uri="{FF2B5EF4-FFF2-40B4-BE49-F238E27FC236}">
+                <a16:creationId xmlns:a16="http://schemas.microsoft.com/office/drawing/2014/main" id="{83F23184-A1D7-F9F3-190D-91D70F972CDB}"/>
+              </a:ext>
+            </a:extLst>
+          </p:cNvPr>
+          <p:cNvPicPr>
+            <a:picLocks noChangeAspect="1"/>
+          </p:cNvPicPr>
+          <p:nvPr/>
+        </p:nvPicPr>
+        <p:blipFill>
+          <a:blip r:embed="rId7"/>
+          <a:stretch>
+            <a:fillRect/>
+          </a:stretch>
+        </p:blipFill>
+        <p:spPr>
+          <a:xfrm>
+            <a:off x="355691" y="4160520"/>
+            <a:ext cx="2743200" cy="2169206"/>
+          </a:xfrm>
+          <a:prstGeom prst="rect">
+            <a:avLst/>
+          </a:prstGeom>
+        </p:spPr>
+      </p:pic>
+      <p:pic>
+        <p:nvPicPr>
+          <p:cNvPr id="22" name="Picture 21">
+            <a:extLst>
+              <a:ext uri="{FF2B5EF4-FFF2-40B4-BE49-F238E27FC236}">
+                <a16:creationId xmlns:a16="http://schemas.microsoft.com/office/drawing/2014/main" id="{24A60DD5-CA1B-2EDC-17F8-8FFC5C45C837}"/>
+              </a:ext>
+            </a:extLst>
+          </p:cNvPr>
+          <p:cNvPicPr>
+            <a:picLocks noChangeAspect="1"/>
+          </p:cNvPicPr>
+          <p:nvPr/>
+        </p:nvPicPr>
+        <p:blipFill>
+          <a:blip r:embed="rId8"/>
+          <a:stretch>
+            <a:fillRect/>
+          </a:stretch>
+        </p:blipFill>
+        <p:spPr>
+          <a:xfrm>
+            <a:off x="3400425" y="4160520"/>
+            <a:ext cx="2743200" cy="2063262"/>
+          </a:xfrm>
+          <a:prstGeom prst="rect">
+            <a:avLst/>
+          </a:prstGeom>
+        </p:spPr>
+      </p:pic>
+      <p:pic>
+        <p:nvPicPr>
+          <p:cNvPr id="24" name="Picture 23">
+            <a:extLst>
+              <a:ext uri="{FF2B5EF4-FFF2-40B4-BE49-F238E27FC236}">
+                <a16:creationId xmlns:a16="http://schemas.microsoft.com/office/drawing/2014/main" id="{9524BCBF-A8CA-50FE-FDC0-3BD6CD25FE18}"/>
+              </a:ext>
+            </a:extLst>
+          </p:cNvPr>
+          <p:cNvPicPr>
+            <a:picLocks noChangeAspect="1"/>
+          </p:cNvPicPr>
+          <p:nvPr/>
+        </p:nvPicPr>
+        <p:blipFill>
+          <a:blip r:embed="rId9"/>
+          <a:stretch>
+            <a:fillRect/>
+          </a:stretch>
+        </p:blipFill>
+        <p:spPr>
+          <a:xfrm>
+            <a:off x="9341168" y="4266464"/>
+            <a:ext cx="2743200" cy="2063262"/>
+          </a:xfrm>
+          <a:prstGeom prst="rect">
+            <a:avLst/>
+          </a:prstGeom>
+        </p:spPr>
+      </p:pic>
+      <p:pic>
+        <p:nvPicPr>
+          <p:cNvPr id="26" name="Picture 25">
+            <a:extLst>
+              <a:ext uri="{FF2B5EF4-FFF2-40B4-BE49-F238E27FC236}">
+                <a16:creationId xmlns:a16="http://schemas.microsoft.com/office/drawing/2014/main" id="{74FDB5D8-A95B-6451-464D-7998FC0B42A4}"/>
+              </a:ext>
+            </a:extLst>
+          </p:cNvPr>
+          <p:cNvPicPr>
+            <a:picLocks noChangeAspect="1"/>
+          </p:cNvPicPr>
+          <p:nvPr/>
+        </p:nvPicPr>
+        <p:blipFill>
+          <a:blip r:embed="rId10"/>
+          <a:stretch>
+            <a:fillRect/>
+          </a:stretch>
+        </p:blipFill>
+        <p:spPr>
+          <a:xfrm>
+            <a:off x="6370796" y="4213492"/>
+            <a:ext cx="2743200" cy="2063261"/>
+          </a:xfrm>
+          <a:prstGeom prst="rect">
+            <a:avLst/>
+          </a:prstGeom>
+        </p:spPr>
+      </p:pic>
+      <p:cxnSp>
+        <p:nvCxnSpPr>
+          <p:cNvPr id="27" name="Straight Connector 26">
+            <a:extLst>
+              <a:ext uri="{FF2B5EF4-FFF2-40B4-BE49-F238E27FC236}">
+                <a16:creationId xmlns:a16="http://schemas.microsoft.com/office/drawing/2014/main" id="{F94A49DC-BF2B-B3D2-B644-774374FA611B}"/>
+              </a:ext>
+            </a:extLst>
+          </p:cNvPr>
+          <p:cNvCxnSpPr>
+            <a:cxnSpLocks/>
+          </p:cNvCxnSpPr>
+          <p:nvPr/>
+        </p:nvCxnSpPr>
+        <p:spPr>
+          <a:xfrm>
+            <a:off x="9247411" y="589100"/>
+            <a:ext cx="0" cy="2551611"/>
+          </a:xfrm>
+          <a:prstGeom prst="line">
+            <a:avLst/>
+          </a:prstGeom>
+        </p:spPr>
+        <p:style>
+          <a:lnRef idx="2">
+            <a:schemeClr val="accent1"/>
+          </a:lnRef>
+          <a:fillRef idx="0">
+            <a:schemeClr val="accent1"/>
+          </a:fillRef>
+          <a:effectRef idx="1">
+            <a:schemeClr val="accent1"/>
+          </a:effectRef>
+          <a:fontRef idx="minor">
+            <a:schemeClr val="tx1"/>
+          </a:fontRef>
+        </p:style>
+      </p:cxnSp>
+      <p:cxnSp>
+        <p:nvCxnSpPr>
+          <p:cNvPr id="28" name="Straight Connector 27">
+            <a:extLst>
+              <a:ext uri="{FF2B5EF4-FFF2-40B4-BE49-F238E27FC236}">
+                <a16:creationId xmlns:a16="http://schemas.microsoft.com/office/drawing/2014/main" id="{4765AB69-0639-ABBB-E1C4-9B37280710ED}"/>
+              </a:ext>
+            </a:extLst>
+          </p:cNvPr>
+          <p:cNvCxnSpPr>
+            <a:cxnSpLocks/>
+          </p:cNvCxnSpPr>
+          <p:nvPr/>
+        </p:nvCxnSpPr>
+        <p:spPr>
+          <a:xfrm>
+            <a:off x="9247411" y="3725142"/>
+            <a:ext cx="0" cy="2551611"/>
+          </a:xfrm>
+          <a:prstGeom prst="line">
+            <a:avLst/>
+          </a:prstGeom>
+        </p:spPr>
+        <p:style>
+          <a:lnRef idx="2">
+            <a:schemeClr val="accent1"/>
+          </a:lnRef>
+          <a:fillRef idx="0">
+            <a:schemeClr val="accent1"/>
+          </a:fillRef>
+          <a:effectRef idx="1">
+            <a:schemeClr val="accent1"/>
+          </a:effectRef>
+          <a:fontRef idx="minor">
+            <a:schemeClr val="tx1"/>
+          </a:fontRef>
+        </p:style>
+      </p:cxnSp>
     </p:spTree>
     <p:extLst>
       <p:ext uri="{BB962C8B-B14F-4D97-AF65-F5344CB8AC3E}">
@@ -18607,6 +19269,716 @@
           </a:p>
         </p:txBody>
       </p:sp>
+      <p:sp>
+        <p:nvSpPr>
+          <p:cNvPr id="13" name="TextBox 12">
+            <a:extLst>
+              <a:ext uri="{FF2B5EF4-FFF2-40B4-BE49-F238E27FC236}">
+                <a16:creationId xmlns:a16="http://schemas.microsoft.com/office/drawing/2014/main" id="{5889E560-B6ED-6347-5A3A-E9E98AD409FC}"/>
+              </a:ext>
+            </a:extLst>
+          </p:cNvPr>
+          <p:cNvSpPr txBox="1"/>
+          <p:nvPr/>
+        </p:nvSpPr>
+        <p:spPr>
+          <a:xfrm>
+            <a:off x="862666" y="486949"/>
+            <a:ext cx="4930196" cy="369332"/>
+          </a:xfrm>
+          <a:prstGeom prst="rect">
+            <a:avLst/>
+          </a:prstGeom>
+          <a:noFill/>
+        </p:spPr>
+        <p:txBody>
+          <a:bodyPr wrap="none" rtlCol="0">
+            <a:spAutoFit/>
+          </a:bodyPr>
+          <a:lstStyle/>
+          <a:p>
+            <a:r>
+              <a:rPr lang="en-US" dirty="0"/>
+              <a:t>The eigenfrequency for two frictionless particles </a:t>
+            </a:r>
+          </a:p>
+        </p:txBody>
+      </p:sp>
+      <p:sp>
+        <p:nvSpPr>
+          <p:cNvPr id="14" name="Oval 13">
+            <a:extLst>
+              <a:ext uri="{FF2B5EF4-FFF2-40B4-BE49-F238E27FC236}">
+                <a16:creationId xmlns:a16="http://schemas.microsoft.com/office/drawing/2014/main" id="{54C819A1-B0D0-99BB-5DF5-B7912EFFFBFC}"/>
+              </a:ext>
+            </a:extLst>
+          </p:cNvPr>
+          <p:cNvSpPr/>
+          <p:nvPr/>
+        </p:nvSpPr>
+        <p:spPr>
+          <a:xfrm>
+            <a:off x="2344784" y="1064672"/>
+            <a:ext cx="365760" cy="365760"/>
+          </a:xfrm>
+          <a:prstGeom prst="ellipse">
+            <a:avLst/>
+          </a:prstGeom>
+        </p:spPr>
+        <p:style>
+          <a:lnRef idx="2">
+            <a:schemeClr val="accent1">
+              <a:shade val="15000"/>
+            </a:schemeClr>
+          </a:lnRef>
+          <a:fillRef idx="1">
+            <a:schemeClr val="accent1"/>
+          </a:fillRef>
+          <a:effectRef idx="0">
+            <a:schemeClr val="accent1"/>
+          </a:effectRef>
+          <a:fontRef idx="minor">
+            <a:schemeClr val="lt1"/>
+          </a:fontRef>
+        </p:style>
+        <p:txBody>
+          <a:bodyPr rtlCol="0" anchor="ctr"/>
+          <a:lstStyle/>
+          <a:p>
+            <a:pPr algn="ctr"/>
+            <a:endParaRPr lang="en-US"/>
+          </a:p>
+        </p:txBody>
+      </p:sp>
+      <p:sp>
+        <p:nvSpPr>
+          <p:cNvPr id="15" name="Oval 14">
+            <a:extLst>
+              <a:ext uri="{FF2B5EF4-FFF2-40B4-BE49-F238E27FC236}">
+                <a16:creationId xmlns:a16="http://schemas.microsoft.com/office/drawing/2014/main" id="{3B6A903B-B5F9-131A-0F51-D153892DD36A}"/>
+              </a:ext>
+            </a:extLst>
+          </p:cNvPr>
+          <p:cNvSpPr/>
+          <p:nvPr/>
+        </p:nvSpPr>
+        <p:spPr>
+          <a:xfrm>
+            <a:off x="4021586" y="1064672"/>
+            <a:ext cx="365760" cy="365760"/>
+          </a:xfrm>
+          <a:prstGeom prst="ellipse">
+            <a:avLst/>
+          </a:prstGeom>
+        </p:spPr>
+        <p:style>
+          <a:lnRef idx="2">
+            <a:schemeClr val="accent1">
+              <a:shade val="15000"/>
+            </a:schemeClr>
+          </a:lnRef>
+          <a:fillRef idx="1">
+            <a:schemeClr val="accent1"/>
+          </a:fillRef>
+          <a:effectRef idx="0">
+            <a:schemeClr val="accent1"/>
+          </a:effectRef>
+          <a:fontRef idx="minor">
+            <a:schemeClr val="lt1"/>
+          </a:fontRef>
+        </p:style>
+        <p:txBody>
+          <a:bodyPr rtlCol="0" anchor="ctr"/>
+          <a:lstStyle/>
+          <a:p>
+            <a:pPr algn="ctr"/>
+            <a:endParaRPr lang="en-US"/>
+          </a:p>
+        </p:txBody>
+      </p:sp>
+      <mc:AlternateContent xmlns:mc="http://schemas.openxmlformats.org/markup-compatibility/2006">
+        <mc:Choice xmlns:a14="http://schemas.microsoft.com/office/drawing/2010/main" Requires="a14">
+          <p:sp>
+            <p:nvSpPr>
+              <p:cNvPr id="16" name="TextBox 15">
+                <a:extLst>
+                  <a:ext uri="{FF2B5EF4-FFF2-40B4-BE49-F238E27FC236}">
+                    <a16:creationId xmlns:a16="http://schemas.microsoft.com/office/drawing/2014/main" id="{B2EC86A7-A884-1BC4-6635-9128D626DD9D}"/>
+                  </a:ext>
+                </a:extLst>
+              </p:cNvPr>
+              <p:cNvSpPr txBox="1"/>
+              <p:nvPr/>
+            </p:nvSpPr>
+            <p:spPr>
+              <a:xfrm>
+                <a:off x="1650962" y="1660136"/>
+                <a:ext cx="3924216" cy="827984"/>
+              </a:xfrm>
+              <a:prstGeom prst="rect">
+                <a:avLst/>
+              </a:prstGeom>
+              <a:noFill/>
+            </p:spPr>
+            <p:txBody>
+              <a:bodyPr wrap="none" lIns="0" tIns="0" rIns="0" bIns="0" rtlCol="0">
+                <a:spAutoFit/>
+              </a:bodyPr>
+              <a:lstStyle/>
+              <a:p>
+                <a:pPr/>
+                <a14:m>
+                  <m:oMathPara xmlns:m="http://schemas.openxmlformats.org/officeDocument/2006/math">
+                    <m:oMathParaPr>
+                      <m:jc m:val="centerGroup"/>
+                    </m:oMathParaPr>
+                    <m:oMath xmlns:m="http://schemas.openxmlformats.org/officeDocument/2006/math">
+                      <m:r>
+                        <a:rPr lang="en-US" i="1" smtClean="0">
+                          <a:latin typeface="Cambria Math" panose="02040503050406030204" pitchFamily="18" charset="0"/>
+                          <a:ea typeface="Cambria Math" panose="02040503050406030204" pitchFamily="18" charset="0"/>
+                        </a:rPr>
+                        <m:t>𝜔</m:t>
+                      </m:r>
+                      <m:r>
+                        <a:rPr lang="en-US" b="0" i="1" smtClean="0">
+                          <a:latin typeface="Cambria Math" panose="02040503050406030204" pitchFamily="18" charset="0"/>
+                          <a:ea typeface="Cambria Math" panose="02040503050406030204" pitchFamily="18" charset="0"/>
+                        </a:rPr>
+                        <m:t>=</m:t>
+                      </m:r>
+                      <m:rad>
+                        <m:radPr>
+                          <m:degHide m:val="on"/>
+                          <m:ctrlPr>
+                            <a:rPr lang="en-US" b="0" i="1" smtClean="0">
+                              <a:latin typeface="Cambria Math" panose="02040503050406030204" pitchFamily="18" charset="0"/>
+                              <a:ea typeface="Cambria Math" panose="02040503050406030204" pitchFamily="18" charset="0"/>
+                            </a:rPr>
+                          </m:ctrlPr>
+                        </m:radPr>
+                        <m:deg/>
+                        <m:e>
+                          <m:f>
+                            <m:fPr>
+                              <m:ctrlPr>
+                                <a:rPr lang="en-US" b="0" i="1" smtClean="0">
+                                  <a:latin typeface="Cambria Math" panose="02040503050406030204" pitchFamily="18" charset="0"/>
+                                  <a:ea typeface="Cambria Math" panose="02040503050406030204" pitchFamily="18" charset="0"/>
+                                </a:rPr>
+                              </m:ctrlPr>
+                            </m:fPr>
+                            <m:num>
+                              <m:r>
+                                <a:rPr lang="en-US" b="0" i="1" smtClean="0">
+                                  <a:latin typeface="Cambria Math" panose="02040503050406030204" pitchFamily="18" charset="0"/>
+                                  <a:ea typeface="Cambria Math" panose="02040503050406030204" pitchFamily="18" charset="0"/>
+                                </a:rPr>
+                                <m:t>4</m:t>
+                              </m:r>
+                              <m:r>
+                                <a:rPr lang="en-US" i="1">
+                                  <a:latin typeface="Cambria Math" panose="02040503050406030204" pitchFamily="18" charset="0"/>
+                                </a:rPr>
+                                <m:t>𝑉</m:t>
+                              </m:r>
+                              <m:r>
+                                <a:rPr lang="en-US" i="1">
+                                  <a:latin typeface="Cambria Math" panose="02040503050406030204" pitchFamily="18" charset="0"/>
+                                </a:rPr>
+                                <m:t>′′</m:t>
+                              </m:r>
+                              <m:d>
+                                <m:dPr>
+                                  <m:ctrlPr>
+                                    <a:rPr lang="en-US" i="1">
+                                      <a:latin typeface="Cambria Math" panose="02040503050406030204" pitchFamily="18" charset="0"/>
+                                    </a:rPr>
+                                  </m:ctrlPr>
+                                </m:dPr>
+                                <m:e>
+                                  <m:sSub>
+                                    <m:sSubPr>
+                                      <m:ctrlPr>
+                                        <a:rPr lang="en-US" i="1" smtClean="0">
+                                          <a:latin typeface="Cambria Math" panose="02040503050406030204" pitchFamily="18" charset="0"/>
+                                        </a:rPr>
+                                      </m:ctrlPr>
+                                    </m:sSubPr>
+                                    <m:e>
+                                      <m:r>
+                                        <a:rPr lang="en-US" b="0" i="1" smtClean="0">
+                                          <a:latin typeface="Cambria Math" panose="02040503050406030204" pitchFamily="18" charset="0"/>
+                                        </a:rPr>
+                                        <m:t>𝑟</m:t>
+                                      </m:r>
+                                    </m:e>
+                                    <m:sub>
+                                      <m:r>
+                                        <a:rPr lang="en-US" b="0" i="1" smtClean="0">
+                                          <a:latin typeface="Cambria Math" panose="02040503050406030204" pitchFamily="18" charset="0"/>
+                                        </a:rPr>
+                                        <m:t>0</m:t>
+                                      </m:r>
+                                    </m:sub>
+                                  </m:sSub>
+                                </m:e>
+                              </m:d>
+                            </m:num>
+                            <m:den>
+                              <m:r>
+                                <a:rPr lang="en-US" b="0" i="1" smtClean="0">
+                                  <a:latin typeface="Cambria Math" panose="02040503050406030204" pitchFamily="18" charset="0"/>
+                                  <a:ea typeface="Cambria Math" panose="02040503050406030204" pitchFamily="18" charset="0"/>
+                                </a:rPr>
+                                <m:t>𝑚</m:t>
+                              </m:r>
+                            </m:den>
+                          </m:f>
+                        </m:e>
+                      </m:rad>
+                      <m:r>
+                        <a:rPr lang="en-US" i="1">
+                          <a:latin typeface="Cambria Math" panose="02040503050406030204" pitchFamily="18" charset="0"/>
+                          <a:ea typeface="Cambria Math" panose="02040503050406030204" pitchFamily="18" charset="0"/>
+                        </a:rPr>
+                        <m:t>=</m:t>
+                      </m:r>
+                      <m:rad>
+                        <m:radPr>
+                          <m:degHide m:val="on"/>
+                          <m:ctrlPr>
+                            <a:rPr lang="en-US" i="1">
+                              <a:latin typeface="Cambria Math" panose="02040503050406030204" pitchFamily="18" charset="0"/>
+                              <a:ea typeface="Cambria Math" panose="02040503050406030204" pitchFamily="18" charset="0"/>
+                            </a:rPr>
+                          </m:ctrlPr>
+                        </m:radPr>
+                        <m:deg/>
+                        <m:e>
+                          <m:f>
+                            <m:fPr>
+                              <m:ctrlPr>
+                                <a:rPr lang="en-US" i="1">
+                                  <a:latin typeface="Cambria Math" panose="02040503050406030204" pitchFamily="18" charset="0"/>
+                                  <a:ea typeface="Cambria Math" panose="02040503050406030204" pitchFamily="18" charset="0"/>
+                                </a:rPr>
+                              </m:ctrlPr>
+                            </m:fPr>
+                            <m:num>
+                              <m:r>
+                                <a:rPr lang="en-US" b="0" i="1" smtClean="0">
+                                  <a:latin typeface="Cambria Math" panose="02040503050406030204" pitchFamily="18" charset="0"/>
+                                  <a:ea typeface="Cambria Math" panose="02040503050406030204" pitchFamily="18" charset="0"/>
+                                </a:rPr>
+                                <m:t>4</m:t>
+                              </m:r>
+                              <m:r>
+                                <a:rPr lang="en-US" i="1" smtClean="0">
+                                  <a:latin typeface="Cambria Math" panose="02040503050406030204" pitchFamily="18" charset="0"/>
+                                  <a:ea typeface="Cambria Math" panose="02040503050406030204" pitchFamily="18" charset="0"/>
+                                </a:rPr>
+                                <m:t>∙</m:t>
+                              </m:r>
+                              <m:r>
+                                <a:rPr lang="en-US" i="1">
+                                  <a:latin typeface="Cambria Math" panose="02040503050406030204" pitchFamily="18" charset="0"/>
+                                  <a:ea typeface="Cambria Math" panose="02040503050406030204" pitchFamily="18" charset="0"/>
+                                </a:rPr>
+                                <m:t>1.1906</m:t>
+                              </m:r>
+                            </m:num>
+                            <m:den>
+                              <m:r>
+                                <a:rPr lang="en-US" b="0" i="1" smtClean="0">
+                                  <a:latin typeface="Cambria Math" panose="02040503050406030204" pitchFamily="18" charset="0"/>
+                                </a:rPr>
+                                <m:t>1</m:t>
+                              </m:r>
+                            </m:den>
+                          </m:f>
+                        </m:e>
+                      </m:rad>
+                      <m:r>
+                        <a:rPr lang="en-US" i="1">
+                          <a:latin typeface="Cambria Math" panose="02040503050406030204" pitchFamily="18" charset="0"/>
+                          <a:ea typeface="Cambria Math" panose="02040503050406030204" pitchFamily="18" charset="0"/>
+                        </a:rPr>
+                        <m:t>=</m:t>
+                      </m:r>
+                      <m:r>
+                        <a:rPr lang="en-US" i="1">
+                          <a:latin typeface="Cambria Math" panose="02040503050406030204" pitchFamily="18" charset="0"/>
+                          <a:ea typeface="Cambria Math" panose="02040503050406030204" pitchFamily="18" charset="0"/>
+                        </a:rPr>
+                        <m:t>2.1823</m:t>
+                      </m:r>
+                    </m:oMath>
+                  </m:oMathPara>
+                </a14:m>
+                <a:endParaRPr lang="en-US" dirty="0"/>
+              </a:p>
+            </p:txBody>
+          </p:sp>
+        </mc:Choice>
+        <mc:Fallback>
+          <p:sp>
+            <p:nvSpPr>
+              <p:cNvPr id="16" name="TextBox 15">
+                <a:extLst>
+                  <a:ext uri="{FF2B5EF4-FFF2-40B4-BE49-F238E27FC236}">
+                    <a16:creationId xmlns:a16="http://schemas.microsoft.com/office/drawing/2014/main" id="{B2EC86A7-A884-1BC4-6635-9128D626DD9D}"/>
+                  </a:ext>
+                </a:extLst>
+              </p:cNvPr>
+              <p:cNvSpPr txBox="1">
+                <a:spLocks noRot="1" noChangeAspect="1" noMove="1" noResize="1" noEditPoints="1" noAdjustHandles="1" noChangeArrowheads="1" noChangeShapeType="1" noTextEdit="1"/>
+              </p:cNvSpPr>
+              <p:nvPr/>
+            </p:nvSpPr>
+            <p:spPr>
+              <a:xfrm>
+                <a:off x="1650962" y="1660136"/>
+                <a:ext cx="3924216" cy="827984"/>
+              </a:xfrm>
+              <a:prstGeom prst="rect">
+                <a:avLst/>
+              </a:prstGeom>
+              <a:blipFill>
+                <a:blip r:embed="rId2"/>
+                <a:stretch>
+                  <a:fillRect b="-735"/>
+                </a:stretch>
+              </a:blipFill>
+            </p:spPr>
+            <p:txBody>
+              <a:bodyPr/>
+              <a:lstStyle/>
+              <a:p>
+                <a:r>
+                  <a:rPr lang="en-US">
+                    <a:noFill/>
+                  </a:rPr>
+                  <a:t> </a:t>
+                </a:r>
+              </a:p>
+            </p:txBody>
+          </p:sp>
+        </mc:Fallback>
+      </mc:AlternateContent>
+      <mc:AlternateContent xmlns:mc="http://schemas.openxmlformats.org/markup-compatibility/2006">
+        <mc:Choice xmlns:a14="http://schemas.microsoft.com/office/drawing/2010/main" Requires="a14">
+          <p:sp>
+            <p:nvSpPr>
+              <p:cNvPr id="17" name="TextBox 16">
+                <a:extLst>
+                  <a:ext uri="{FF2B5EF4-FFF2-40B4-BE49-F238E27FC236}">
+                    <a16:creationId xmlns:a16="http://schemas.microsoft.com/office/drawing/2014/main" id="{7BF75C6F-8F3F-83D6-FC74-731A7703D628}"/>
+                  </a:ext>
+                </a:extLst>
+              </p:cNvPr>
+              <p:cNvSpPr txBox="1"/>
+              <p:nvPr/>
+            </p:nvSpPr>
+            <p:spPr>
+              <a:xfrm>
+                <a:off x="1650962" y="2793913"/>
+                <a:ext cx="1806777" cy="797398"/>
+              </a:xfrm>
+              <a:prstGeom prst="rect">
+                <a:avLst/>
+              </a:prstGeom>
+              <a:noFill/>
+            </p:spPr>
+            <p:txBody>
+              <a:bodyPr wrap="none" lIns="0" tIns="0" rIns="0" bIns="0" rtlCol="0">
+                <a:spAutoFit/>
+              </a:bodyPr>
+              <a:lstStyle/>
+              <a:p>
+                <a:pPr/>
+                <a14:m>
+                  <m:oMathPara xmlns:m="http://schemas.openxmlformats.org/officeDocument/2006/math">
+                    <m:oMathParaPr>
+                      <m:jc m:val="centerGroup"/>
+                    </m:oMathParaPr>
+                    <m:oMath xmlns:m="http://schemas.openxmlformats.org/officeDocument/2006/math">
+                      <m:r>
+                        <a:rPr lang="en-US" b="0" i="1" smtClean="0">
+                          <a:latin typeface="Cambria Math" panose="02040503050406030204" pitchFamily="18" charset="0"/>
+                          <a:ea typeface="Cambria Math" panose="02040503050406030204" pitchFamily="18" charset="0"/>
+                        </a:rPr>
+                        <m:t>𝑇</m:t>
+                      </m:r>
+                      <m:r>
+                        <a:rPr lang="en-US" b="0" i="1" smtClean="0">
+                          <a:latin typeface="Cambria Math" panose="02040503050406030204" pitchFamily="18" charset="0"/>
+                          <a:ea typeface="Cambria Math" panose="02040503050406030204" pitchFamily="18" charset="0"/>
+                        </a:rPr>
+                        <m:t>=</m:t>
+                      </m:r>
+                      <m:f>
+                        <m:fPr>
+                          <m:ctrlPr>
+                            <a:rPr lang="en-US" b="0" i="1" smtClean="0">
+                              <a:latin typeface="Cambria Math" panose="02040503050406030204" pitchFamily="18" charset="0"/>
+                              <a:ea typeface="Cambria Math" panose="02040503050406030204" pitchFamily="18" charset="0"/>
+                            </a:rPr>
+                          </m:ctrlPr>
+                        </m:fPr>
+                        <m:num>
+                          <m:r>
+                            <a:rPr lang="en-US" b="0" i="1" smtClean="0">
+                              <a:latin typeface="Cambria Math" panose="02040503050406030204" pitchFamily="18" charset="0"/>
+                              <a:ea typeface="Cambria Math" panose="02040503050406030204" pitchFamily="18" charset="0"/>
+                            </a:rPr>
+                            <m:t>2</m:t>
+                          </m:r>
+                          <m:r>
+                            <a:rPr lang="en-US" b="0" i="1" smtClean="0">
+                              <a:latin typeface="Cambria Math" panose="02040503050406030204" pitchFamily="18" charset="0"/>
+                              <a:ea typeface="Cambria Math" panose="02040503050406030204" pitchFamily="18" charset="0"/>
+                            </a:rPr>
+                            <m:t>𝜋</m:t>
+                          </m:r>
+                        </m:num>
+                        <m:den>
+                          <m:r>
+                            <a:rPr lang="en-US" i="1">
+                              <a:latin typeface="Cambria Math" panose="02040503050406030204" pitchFamily="18" charset="0"/>
+                              <a:ea typeface="Cambria Math" panose="02040503050406030204" pitchFamily="18" charset="0"/>
+                            </a:rPr>
+                            <m:t>𝜔</m:t>
+                          </m:r>
+                        </m:den>
+                      </m:f>
+                      <m:r>
+                        <a:rPr lang="en-US" i="1">
+                          <a:latin typeface="Cambria Math" panose="02040503050406030204" pitchFamily="18" charset="0"/>
+                          <a:ea typeface="Cambria Math" panose="02040503050406030204" pitchFamily="18" charset="0"/>
+                        </a:rPr>
+                        <m:t>=</m:t>
+                      </m:r>
+                      <m:r>
+                        <a:rPr lang="en-US" i="1">
+                          <a:latin typeface="Cambria Math" panose="02040503050406030204" pitchFamily="18" charset="0"/>
+                          <a:ea typeface="Cambria Math" panose="02040503050406030204" pitchFamily="18" charset="0"/>
+                        </a:rPr>
+                        <m:t>2.8792</m:t>
+                      </m:r>
+                    </m:oMath>
+                  </m:oMathPara>
+                </a14:m>
+                <a:endParaRPr dirty="0"/>
+              </a:p>
+              <a:p>
+                <a:endParaRPr lang="en-US" dirty="0"/>
+              </a:p>
+            </p:txBody>
+          </p:sp>
+        </mc:Choice>
+        <mc:Fallback>
+          <p:sp>
+            <p:nvSpPr>
+              <p:cNvPr id="17" name="TextBox 16">
+                <a:extLst>
+                  <a:ext uri="{FF2B5EF4-FFF2-40B4-BE49-F238E27FC236}">
+                    <a16:creationId xmlns:a16="http://schemas.microsoft.com/office/drawing/2014/main" id="{7BF75C6F-8F3F-83D6-FC74-731A7703D628}"/>
+                  </a:ext>
+                </a:extLst>
+              </p:cNvPr>
+              <p:cNvSpPr txBox="1">
+                <a:spLocks noRot="1" noChangeAspect="1" noMove="1" noResize="1" noEditPoints="1" noAdjustHandles="1" noChangeArrowheads="1" noChangeShapeType="1" noTextEdit="1"/>
+              </p:cNvSpPr>
+              <p:nvPr/>
+            </p:nvSpPr>
+            <p:spPr>
+              <a:xfrm>
+                <a:off x="1650962" y="2793913"/>
+                <a:ext cx="1806777" cy="797398"/>
+              </a:xfrm>
+              <a:prstGeom prst="rect">
+                <a:avLst/>
+              </a:prstGeom>
+              <a:blipFill>
+                <a:blip r:embed="rId3"/>
+                <a:stretch>
+                  <a:fillRect/>
+                </a:stretch>
+              </a:blipFill>
+            </p:spPr>
+            <p:txBody>
+              <a:bodyPr/>
+              <a:lstStyle/>
+              <a:p>
+                <a:r>
+                  <a:rPr lang="en-US">
+                    <a:noFill/>
+                  </a:rPr>
+                  <a:t> </a:t>
+                </a:r>
+              </a:p>
+            </p:txBody>
+          </p:sp>
+        </mc:Fallback>
+      </mc:AlternateContent>
+      <p:sp>
+        <p:nvSpPr>
+          <p:cNvPr id="18" name="Oval 17">
+            <a:extLst>
+              <a:ext uri="{FF2B5EF4-FFF2-40B4-BE49-F238E27FC236}">
+                <a16:creationId xmlns:a16="http://schemas.microsoft.com/office/drawing/2014/main" id="{53C30EB2-CDD3-3451-D5B0-C7296CE6BE19}"/>
+              </a:ext>
+            </a:extLst>
+          </p:cNvPr>
+          <p:cNvSpPr/>
+          <p:nvPr/>
+        </p:nvSpPr>
+        <p:spPr>
+          <a:xfrm>
+            <a:off x="667982" y="1064672"/>
+            <a:ext cx="365760" cy="365760"/>
+          </a:xfrm>
+          <a:prstGeom prst="ellipse">
+            <a:avLst/>
+          </a:prstGeom>
+        </p:spPr>
+        <p:style>
+          <a:lnRef idx="2">
+            <a:schemeClr val="accent1">
+              <a:shade val="15000"/>
+            </a:schemeClr>
+          </a:lnRef>
+          <a:fillRef idx="1">
+            <a:schemeClr val="accent1"/>
+          </a:fillRef>
+          <a:effectRef idx="0">
+            <a:schemeClr val="accent1"/>
+          </a:effectRef>
+          <a:fontRef idx="minor">
+            <a:schemeClr val="lt1"/>
+          </a:fontRef>
+        </p:style>
+        <p:txBody>
+          <a:bodyPr rtlCol="0" anchor="ctr"/>
+          <a:lstStyle/>
+          <a:p>
+            <a:pPr algn="ctr"/>
+            <a:endParaRPr lang="en-US"/>
+          </a:p>
+        </p:txBody>
+      </p:sp>
+      <p:sp>
+        <p:nvSpPr>
+          <p:cNvPr id="19" name="Oval 18">
+            <a:extLst>
+              <a:ext uri="{FF2B5EF4-FFF2-40B4-BE49-F238E27FC236}">
+                <a16:creationId xmlns:a16="http://schemas.microsoft.com/office/drawing/2014/main" id="{27DE575D-DDCD-9678-3D26-453CAE01B739}"/>
+              </a:ext>
+            </a:extLst>
+          </p:cNvPr>
+          <p:cNvSpPr/>
+          <p:nvPr/>
+        </p:nvSpPr>
+        <p:spPr>
+          <a:xfrm>
+            <a:off x="5695527" y="1064672"/>
+            <a:ext cx="365760" cy="365760"/>
+          </a:xfrm>
+          <a:prstGeom prst="ellipse">
+            <a:avLst/>
+          </a:prstGeom>
+        </p:spPr>
+        <p:style>
+          <a:lnRef idx="2">
+            <a:schemeClr val="accent1">
+              <a:shade val="15000"/>
+            </a:schemeClr>
+          </a:lnRef>
+          <a:fillRef idx="1">
+            <a:schemeClr val="accent1"/>
+          </a:fillRef>
+          <a:effectRef idx="0">
+            <a:schemeClr val="accent1"/>
+          </a:effectRef>
+          <a:fontRef idx="minor">
+            <a:schemeClr val="lt1"/>
+          </a:fontRef>
+        </p:style>
+        <p:txBody>
+          <a:bodyPr rtlCol="0" anchor="ctr"/>
+          <a:lstStyle/>
+          <a:p>
+            <a:pPr algn="ctr"/>
+            <a:endParaRPr lang="en-US"/>
+          </a:p>
+        </p:txBody>
+      </p:sp>
+      <p:pic>
+        <p:nvPicPr>
+          <p:cNvPr id="24" name="Picture 23">
+            <a:extLst>
+              <a:ext uri="{FF2B5EF4-FFF2-40B4-BE49-F238E27FC236}">
+                <a16:creationId xmlns:a16="http://schemas.microsoft.com/office/drawing/2014/main" id="{3FC5BB28-C8E2-AB72-AA88-FBCA71F3934C}"/>
+              </a:ext>
+            </a:extLst>
+          </p:cNvPr>
+          <p:cNvPicPr>
+            <a:picLocks noChangeAspect="1"/>
+          </p:cNvPicPr>
+          <p:nvPr/>
+        </p:nvPicPr>
+        <p:blipFill>
+          <a:blip r:embed="rId4"/>
+          <a:stretch>
+            <a:fillRect/>
+          </a:stretch>
+        </p:blipFill>
+        <p:spPr>
+          <a:xfrm>
+            <a:off x="6338181" y="486949"/>
+            <a:ext cx="5570336" cy="4223951"/>
+          </a:xfrm>
+          <a:prstGeom prst="rect">
+            <a:avLst/>
+          </a:prstGeom>
+        </p:spPr>
+      </p:pic>
+      <p:sp>
+        <p:nvSpPr>
+          <p:cNvPr id="28" name="TextBox 27">
+            <a:extLst>
+              <a:ext uri="{FF2B5EF4-FFF2-40B4-BE49-F238E27FC236}">
+                <a16:creationId xmlns:a16="http://schemas.microsoft.com/office/drawing/2014/main" id="{C8B2621D-4B44-FCB9-8A1F-D1C2E6A49EF4}"/>
+              </a:ext>
+            </a:extLst>
+          </p:cNvPr>
+          <p:cNvSpPr txBox="1"/>
+          <p:nvPr/>
+        </p:nvSpPr>
+        <p:spPr>
+          <a:xfrm>
+            <a:off x="7543800" y="5103614"/>
+            <a:ext cx="2560320" cy="369332"/>
+          </a:xfrm>
+          <a:prstGeom prst="rect">
+            <a:avLst/>
+          </a:prstGeom>
+          <a:noFill/>
+        </p:spPr>
+        <p:txBody>
+          <a:bodyPr wrap="square">
+            <a:spAutoFit/>
+          </a:bodyPr>
+          <a:lstStyle/>
+          <a:p>
+            <a:r>
+              <a:rPr lang="en-US" dirty="0"/>
+              <a:t>31.67-28.79 = 2.88</a:t>
+            </a:r>
+          </a:p>
+        </p:txBody>
+      </p:sp>
     </p:spTree>
     <p:extLst>
       <p:ext uri="{BB962C8B-B14F-4D97-AF65-F5344CB8AC3E}">
@@ -18669,8 +20041,191 @@
           <a:p>
             <a:r>
               <a:rPr lang="en-US" dirty="0"/>
-              <a:t>20251205/3: Parametric Excitation of the Normal Mode in n=N system </a:t>
+              <a:t>20251205/5: Parametric Excitation of the Normal Mode in n=N system </a:t>
             </a:r>
+          </a:p>
+        </p:txBody>
+      </p:sp>
+      <p:pic>
+        <p:nvPicPr>
+          <p:cNvPr id="5" name="Picture 4">
+            <a:extLst>
+              <a:ext uri="{FF2B5EF4-FFF2-40B4-BE49-F238E27FC236}">
+                <a16:creationId xmlns:a16="http://schemas.microsoft.com/office/drawing/2014/main" id="{4D4CED23-D0BE-27CF-AC8F-E163524D9A84}"/>
+              </a:ext>
+            </a:extLst>
+          </p:cNvPr>
+          <p:cNvPicPr>
+            <a:picLocks noChangeAspect="1"/>
+          </p:cNvPicPr>
+          <p:nvPr/>
+        </p:nvPicPr>
+        <p:blipFill>
+          <a:blip r:embed="rId2"/>
+          <a:stretch>
+            <a:fillRect/>
+          </a:stretch>
+        </p:blipFill>
+        <p:spPr>
+          <a:xfrm>
+            <a:off x="5836510" y="920740"/>
+            <a:ext cx="5868219" cy="4696480"/>
+          </a:xfrm>
+          <a:prstGeom prst="rect">
+            <a:avLst/>
+          </a:prstGeom>
+        </p:spPr>
+      </p:pic>
+      <p:sp>
+        <p:nvSpPr>
+          <p:cNvPr id="8" name="TextBox 7">
+            <a:extLst>
+              <a:ext uri="{FF2B5EF4-FFF2-40B4-BE49-F238E27FC236}">
+                <a16:creationId xmlns:a16="http://schemas.microsoft.com/office/drawing/2014/main" id="{9B29ECC9-8F2D-3947-7944-1CABC6258CF1}"/>
+              </a:ext>
+            </a:extLst>
+          </p:cNvPr>
+          <p:cNvSpPr txBox="1"/>
+          <p:nvPr/>
+        </p:nvSpPr>
+        <p:spPr>
+          <a:xfrm>
+            <a:off x="289560" y="812215"/>
+            <a:ext cx="6096000" cy="3970318"/>
+          </a:xfrm>
+          <a:prstGeom prst="rect">
+            <a:avLst/>
+          </a:prstGeom>
+          <a:noFill/>
+        </p:spPr>
+        <p:txBody>
+          <a:bodyPr wrap="square">
+            <a:spAutoFit/>
+          </a:bodyPr>
+          <a:lstStyle/>
+          <a:p>
+            <a:pPr>
+              <a:buNone/>
+            </a:pPr>
+            <a:r>
+              <a:rPr lang="en-US" sz="1800" b="0" i="0" dirty="0" err="1">
+                <a:effectLst/>
+                <a:latin typeface="Menlo"/>
+              </a:rPr>
+              <a:t>batch_omega</a:t>
+            </a:r>
+            <a:r>
+              <a:rPr lang="en-US" sz="1800" b="0" i="0" dirty="0">
+                <a:effectLst/>
+                <a:latin typeface="Menlo"/>
+              </a:rPr>
+              <a:t> = 2.1823*2;</a:t>
+            </a:r>
+          </a:p>
+          <a:p>
+            <a:pPr>
+              <a:buNone/>
+            </a:pPr>
+            <a:r>
+              <a:rPr lang="en-US" sz="1800" b="0" i="0" dirty="0" err="1">
+                <a:effectLst/>
+                <a:latin typeface="Menlo"/>
+              </a:rPr>
+              <a:t>batch_epsilon</a:t>
+            </a:r>
+            <a:r>
+              <a:rPr lang="en-US" sz="1800" b="0" i="0" dirty="0">
+                <a:effectLst/>
+                <a:latin typeface="Menlo"/>
+              </a:rPr>
+              <a:t> = 0.05;</a:t>
+            </a:r>
+          </a:p>
+          <a:p>
+            <a:pPr>
+              <a:buNone/>
+            </a:pPr>
+            <a:endParaRPr lang="en-US" dirty="0">
+              <a:latin typeface="Menlo"/>
+            </a:endParaRPr>
+          </a:p>
+          <a:p>
+            <a:r>
+              <a:rPr lang="en-US" dirty="0"/>
+              <a:t>beta = 1; % damping coefficient</a:t>
+            </a:r>
+            <a:endParaRPr lang="en-US" sz="1800" b="0" i="0" dirty="0">
+              <a:effectLst/>
+              <a:latin typeface="Menlo"/>
+            </a:endParaRPr>
+          </a:p>
+          <a:p>
+            <a:pPr>
+              <a:buNone/>
+            </a:pPr>
+            <a:endParaRPr lang="en-US" dirty="0">
+              <a:latin typeface="Menlo"/>
+            </a:endParaRPr>
+          </a:p>
+          <a:p>
+            <a:r>
+              <a:rPr lang="en-US" dirty="0"/>
+              <a:t>N = 20; % number of particles</a:t>
+            </a:r>
+          </a:p>
+          <a:p>
+            <a:r>
+              <a:rPr lang="en-US" dirty="0"/>
+              <a:t>L = N*2^(1/6); % domain width</a:t>
+            </a:r>
+          </a:p>
+          <a:p>
+            <a:r>
+              <a:rPr lang="en-US" dirty="0" err="1"/>
+              <a:t>rc</a:t>
+            </a:r>
+            <a:r>
+              <a:rPr lang="en-US" dirty="0"/>
+              <a:t> = 1.5; % cut off distance of Lennard Jones potential</a:t>
+            </a:r>
+          </a:p>
+          <a:p>
+            <a:pPr>
+              <a:buNone/>
+            </a:pPr>
+            <a:endParaRPr lang="en-US" sz="1800" b="0" i="0" dirty="0">
+              <a:effectLst/>
+              <a:latin typeface="Menlo"/>
+            </a:endParaRPr>
+          </a:p>
+          <a:p>
+            <a:pPr>
+              <a:buNone/>
+            </a:pPr>
+            <a:endParaRPr lang="en-US" dirty="0">
+              <a:latin typeface="Menlo"/>
+            </a:endParaRPr>
+          </a:p>
+          <a:p>
+            <a:r>
+              <a:rPr lang="en-US" dirty="0"/>
+              <a:t>perturbation = 1E-3*ones(N,1); perturbation(2:2:end) = -perturbation(2:2:end);</a:t>
+            </a:r>
+          </a:p>
+          <a:p>
+            <a:r>
+              <a:rPr lang="en-US" dirty="0"/>
+              <a:t>x0 = (0:N-1).'*2^(1/6) + 2^(1/6)/2 + perturbation; </a:t>
+            </a:r>
+          </a:p>
+          <a:p>
+            <a:pPr>
+              <a:buNone/>
+            </a:pPr>
+            <a:endParaRPr lang="en-US" sz="1800" b="0" i="0" dirty="0">
+              <a:effectLst/>
+              <a:latin typeface="Menlo"/>
+            </a:endParaRPr>
           </a:p>
         </p:txBody>
       </p:sp>

--- a/Sync Pulsating Particles.pptx
+++ b/Sync Pulsating Particles.pptx
@@ -13,16 +13,17 @@
     <p:sldId id="272" r:id="rId7"/>
     <p:sldId id="273" r:id="rId8"/>
     <p:sldId id="274" r:id="rId9"/>
-    <p:sldId id="275" r:id="rId10"/>
-    <p:sldId id="257" r:id="rId11"/>
-    <p:sldId id="266" r:id="rId12"/>
-    <p:sldId id="258" r:id="rId13"/>
-    <p:sldId id="260" r:id="rId14"/>
-    <p:sldId id="261" r:id="rId15"/>
-    <p:sldId id="262" r:id="rId16"/>
-    <p:sldId id="263" r:id="rId17"/>
-    <p:sldId id="264" r:id="rId18"/>
-    <p:sldId id="265" r:id="rId19"/>
+    <p:sldId id="276" r:id="rId10"/>
+    <p:sldId id="275" r:id="rId11"/>
+    <p:sldId id="257" r:id="rId12"/>
+    <p:sldId id="266" r:id="rId13"/>
+    <p:sldId id="258" r:id="rId14"/>
+    <p:sldId id="260" r:id="rId15"/>
+    <p:sldId id="261" r:id="rId16"/>
+    <p:sldId id="262" r:id="rId17"/>
+    <p:sldId id="263" r:id="rId18"/>
+    <p:sldId id="264" r:id="rId19"/>
+    <p:sldId id="265" r:id="rId20"/>
   </p:sldIdLst>
   <p:sldSz cx="12192000" cy="6858000"/>
   <p:notesSz cx="6858000" cy="9144000"/>
@@ -138,6 +139,7 @@
             <p14:sldId id="272"/>
             <p14:sldId id="273"/>
             <p14:sldId id="274"/>
+            <p14:sldId id="276"/>
             <p14:sldId id="275"/>
             <p14:sldId id="257"/>
             <p14:sldId id="266"/>
@@ -1105,7 +1107,7 @@
           <a:p>
             <a:fld id="{3CFB4EA5-11AB-41EA-8173-A20817411FC9}" type="datetimeFigureOut">
               <a:rPr lang="en-US" smtClean="0"/>
-              <a:t>12/7/2025</a:t>
+              <a:t>12/10/2025</a:t>
             </a:fld>
             <a:endParaRPr lang="en-US"/>
           </a:p>
@@ -1303,7 +1305,7 @@
           <a:p>
             <a:fld id="{3CFB4EA5-11AB-41EA-8173-A20817411FC9}" type="datetimeFigureOut">
               <a:rPr lang="en-US" smtClean="0"/>
-              <a:t>12/7/2025</a:t>
+              <a:t>12/10/2025</a:t>
             </a:fld>
             <a:endParaRPr lang="en-US"/>
           </a:p>
@@ -1511,7 +1513,7 @@
           <a:p>
             <a:fld id="{3CFB4EA5-11AB-41EA-8173-A20817411FC9}" type="datetimeFigureOut">
               <a:rPr lang="en-US" smtClean="0"/>
-              <a:t>12/7/2025</a:t>
+              <a:t>12/10/2025</a:t>
             </a:fld>
             <a:endParaRPr lang="en-US"/>
           </a:p>
@@ -1709,7 +1711,7 @@
           <a:p>
             <a:fld id="{3CFB4EA5-11AB-41EA-8173-A20817411FC9}" type="datetimeFigureOut">
               <a:rPr lang="en-US" smtClean="0"/>
-              <a:t>12/7/2025</a:t>
+              <a:t>12/10/2025</a:t>
             </a:fld>
             <a:endParaRPr lang="en-US"/>
           </a:p>
@@ -1984,7 +1986,7 @@
           <a:p>
             <a:fld id="{3CFB4EA5-11AB-41EA-8173-A20817411FC9}" type="datetimeFigureOut">
               <a:rPr lang="en-US" smtClean="0"/>
-              <a:t>12/7/2025</a:t>
+              <a:t>12/10/2025</a:t>
             </a:fld>
             <a:endParaRPr lang="en-US"/>
           </a:p>
@@ -2249,7 +2251,7 @@
           <a:p>
             <a:fld id="{3CFB4EA5-11AB-41EA-8173-A20817411FC9}" type="datetimeFigureOut">
               <a:rPr lang="en-US" smtClean="0"/>
-              <a:t>12/7/2025</a:t>
+              <a:t>12/10/2025</a:t>
             </a:fld>
             <a:endParaRPr lang="en-US"/>
           </a:p>
@@ -2661,7 +2663,7 @@
           <a:p>
             <a:fld id="{3CFB4EA5-11AB-41EA-8173-A20817411FC9}" type="datetimeFigureOut">
               <a:rPr lang="en-US" smtClean="0"/>
-              <a:t>12/7/2025</a:t>
+              <a:t>12/10/2025</a:t>
             </a:fld>
             <a:endParaRPr lang="en-US"/>
           </a:p>
@@ -2802,7 +2804,7 @@
           <a:p>
             <a:fld id="{3CFB4EA5-11AB-41EA-8173-A20817411FC9}" type="datetimeFigureOut">
               <a:rPr lang="en-US" smtClean="0"/>
-              <a:t>12/7/2025</a:t>
+              <a:t>12/10/2025</a:t>
             </a:fld>
             <a:endParaRPr lang="en-US"/>
           </a:p>
@@ -2915,7 +2917,7 @@
           <a:p>
             <a:fld id="{3CFB4EA5-11AB-41EA-8173-A20817411FC9}" type="datetimeFigureOut">
               <a:rPr lang="en-US" smtClean="0"/>
-              <a:t>12/7/2025</a:t>
+              <a:t>12/10/2025</a:t>
             </a:fld>
             <a:endParaRPr lang="en-US"/>
           </a:p>
@@ -3226,7 +3228,7 @@
           <a:p>
             <a:fld id="{3CFB4EA5-11AB-41EA-8173-A20817411FC9}" type="datetimeFigureOut">
               <a:rPr lang="en-US" smtClean="0"/>
-              <a:t>12/7/2025</a:t>
+              <a:t>12/10/2025</a:t>
             </a:fld>
             <a:endParaRPr lang="en-US"/>
           </a:p>
@@ -3514,7 +3516,7 @@
           <a:p>
             <a:fld id="{3CFB4EA5-11AB-41EA-8173-A20817411FC9}" type="datetimeFigureOut">
               <a:rPr lang="en-US" smtClean="0"/>
-              <a:t>12/7/2025</a:t>
+              <a:t>12/10/2025</a:t>
             </a:fld>
             <a:endParaRPr lang="en-US"/>
           </a:p>
@@ -3755,7 +3757,7 @@
           <a:p>
             <a:fld id="{3CFB4EA5-11AB-41EA-8173-A20817411FC9}" type="datetimeFigureOut">
               <a:rPr lang="en-US" smtClean="0"/>
-              <a:t>12/7/2025</a:t>
+              <a:t>12/10/2025</a:t>
             </a:fld>
             <a:endParaRPr lang="en-US"/>
           </a:p>
@@ -4844,6 +4846,228 @@
 </file>
 
 <file path=ppt/slides/slide10.xml><?xml version="1.0" encoding="utf-8"?>
+<p:sld xmlns:a="http://schemas.openxmlformats.org/drawingml/2006/main" xmlns:r="http://schemas.openxmlformats.org/officeDocument/2006/relationships" xmlns:p="http://schemas.openxmlformats.org/presentationml/2006/main">
+  <p:cSld>
+    <p:spTree>
+      <p:nvGrpSpPr>
+        <p:cNvPr id="1" name=""/>
+        <p:cNvGrpSpPr/>
+        <p:nvPr/>
+      </p:nvGrpSpPr>
+      <p:grpSpPr>
+        <a:xfrm>
+          <a:off x="0" y="0"/>
+          <a:ext cx="0" cy="0"/>
+          <a:chOff x="0" y="0"/>
+          <a:chExt cx="0" cy="0"/>
+        </a:xfrm>
+      </p:grpSpPr>
+      <p:sp>
+        <p:nvSpPr>
+          <p:cNvPr id="4" name="TextBox 3">
+            <a:extLst>
+              <a:ext uri="{FF2B5EF4-FFF2-40B4-BE49-F238E27FC236}">
+                <a16:creationId xmlns:a16="http://schemas.microsoft.com/office/drawing/2014/main" id="{292E59A1-AA94-B8E7-75E3-C44691ABE733}"/>
+              </a:ext>
+            </a:extLst>
+          </p:cNvPr>
+          <p:cNvSpPr txBox="1"/>
+          <p:nvPr/>
+        </p:nvSpPr>
+        <p:spPr>
+          <a:xfrm>
+            <a:off x="2570284" y="31288"/>
+            <a:ext cx="5380384" cy="369332"/>
+          </a:xfrm>
+          <a:prstGeom prst="rect">
+            <a:avLst/>
+          </a:prstGeom>
+          <a:solidFill>
+            <a:srgbClr val="FFFF00"/>
+          </a:solidFill>
+        </p:spPr>
+        <p:txBody>
+          <a:bodyPr wrap="none" rtlCol="0">
+            <a:spAutoFit/>
+          </a:bodyPr>
+          <a:lstStyle/>
+          <a:p>
+            <a:r>
+              <a:rPr lang="en-US" dirty="0"/>
+              <a:t>20251205/6: Nonlinear Normal Mode in 2D LJ system</a:t>
+            </a:r>
+          </a:p>
+        </p:txBody>
+      </p:sp>
+      <p:pic>
+        <p:nvPicPr>
+          <p:cNvPr id="3" name="Picture 2">
+            <a:extLst>
+              <a:ext uri="{FF2B5EF4-FFF2-40B4-BE49-F238E27FC236}">
+                <a16:creationId xmlns:a16="http://schemas.microsoft.com/office/drawing/2014/main" id="{1A814E8A-EC94-8677-2015-9E3547156DFA}"/>
+              </a:ext>
+            </a:extLst>
+          </p:cNvPr>
+          <p:cNvPicPr>
+            <a:picLocks noChangeAspect="1"/>
+          </p:cNvPicPr>
+          <p:nvPr/>
+        </p:nvPicPr>
+        <p:blipFill>
+          <a:blip r:embed="rId2"/>
+          <a:stretch>
+            <a:fillRect/>
+          </a:stretch>
+        </p:blipFill>
+        <p:spPr>
+          <a:xfrm>
+            <a:off x="411071" y="1632318"/>
+            <a:ext cx="5566973" cy="4382838"/>
+          </a:xfrm>
+          <a:prstGeom prst="rect">
+            <a:avLst/>
+          </a:prstGeom>
+        </p:spPr>
+      </p:pic>
+      <p:pic>
+        <p:nvPicPr>
+          <p:cNvPr id="6" name="Picture 5">
+            <a:extLst>
+              <a:ext uri="{FF2B5EF4-FFF2-40B4-BE49-F238E27FC236}">
+                <a16:creationId xmlns:a16="http://schemas.microsoft.com/office/drawing/2014/main" id="{51C01724-A9D7-97EE-40A5-9520D8BC5733}"/>
+              </a:ext>
+            </a:extLst>
+          </p:cNvPr>
+          <p:cNvPicPr>
+            <a:picLocks noChangeAspect="1"/>
+          </p:cNvPicPr>
+          <p:nvPr/>
+        </p:nvPicPr>
+        <p:blipFill>
+          <a:blip r:embed="rId3"/>
+          <a:stretch>
+            <a:fillRect/>
+          </a:stretch>
+        </p:blipFill>
+        <p:spPr>
+          <a:xfrm>
+            <a:off x="6327485" y="1408635"/>
+            <a:ext cx="5483073" cy="4513690"/>
+          </a:xfrm>
+          <a:prstGeom prst="rect">
+            <a:avLst/>
+          </a:prstGeom>
+        </p:spPr>
+      </p:pic>
+      <mc:AlternateContent xmlns:mc="http://schemas.openxmlformats.org/markup-compatibility/2006">
+        <mc:Choice xmlns:a14="http://schemas.microsoft.com/office/drawing/2010/main" Requires="a14">
+          <p:sp>
+            <p:nvSpPr>
+              <p:cNvPr id="7" name="TextBox 6">
+                <a:extLst>
+                  <a:ext uri="{FF2B5EF4-FFF2-40B4-BE49-F238E27FC236}">
+                    <a16:creationId xmlns:a16="http://schemas.microsoft.com/office/drawing/2014/main" id="{2780BBE7-49FA-F510-E05D-E19A230A64E2}"/>
+                  </a:ext>
+                </a:extLst>
+              </p:cNvPr>
+              <p:cNvSpPr txBox="1"/>
+              <p:nvPr/>
+            </p:nvSpPr>
+            <p:spPr>
+              <a:xfrm rot="16200000">
+                <a:off x="5742011" y="3576762"/>
+                <a:ext cx="821507" cy="276999"/>
+              </a:xfrm>
+              <a:prstGeom prst="rect">
+                <a:avLst/>
+              </a:prstGeom>
+              <a:noFill/>
+            </p:spPr>
+            <p:txBody>
+              <a:bodyPr wrap="none" lIns="0" tIns="0" rIns="0" bIns="0" rtlCol="0">
+                <a:spAutoFit/>
+              </a:bodyPr>
+              <a:lstStyle/>
+              <a:p>
+                <a14:m>
+                  <m:oMathPara xmlns:m="http://schemas.openxmlformats.org/officeDocument/2006/math">
+                    <m:oMathParaPr>
+                      <m:jc m:val="centerGroup"/>
+                    </m:oMathParaPr>
+                    <m:oMath xmlns:m="http://schemas.openxmlformats.org/officeDocument/2006/math">
+                      <m:r>
+                        <a:rPr lang="en-US" b="0" i="1" smtClean="0">
+                          <a:latin typeface="Cambria Math" panose="02040503050406030204" pitchFamily="18" charset="0"/>
+                        </a:rPr>
+                        <m:t>𝐸𝑛𝑒𝑟𝑔𝑦</m:t>
+                      </m:r>
+                    </m:oMath>
+                  </m:oMathPara>
+                </a14:m>
+                <a:endParaRPr lang="en-US" dirty="0"/>
+              </a:p>
+            </p:txBody>
+          </p:sp>
+        </mc:Choice>
+        <mc:Fallback>
+          <p:sp>
+            <p:nvSpPr>
+              <p:cNvPr id="7" name="TextBox 6">
+                <a:extLst>
+                  <a:ext uri="{FF2B5EF4-FFF2-40B4-BE49-F238E27FC236}">
+                    <a16:creationId xmlns:a16="http://schemas.microsoft.com/office/drawing/2014/main" id="{2780BBE7-49FA-F510-E05D-E19A230A64E2}"/>
+                  </a:ext>
+                </a:extLst>
+              </p:cNvPr>
+              <p:cNvSpPr txBox="1">
+                <a:spLocks noRot="1" noChangeAspect="1" noMove="1" noResize="1" noEditPoints="1" noAdjustHandles="1" noChangeArrowheads="1" noChangeShapeType="1" noTextEdit="1"/>
+              </p:cNvSpPr>
+              <p:nvPr/>
+            </p:nvSpPr>
+            <p:spPr>
+              <a:xfrm rot="16200000">
+                <a:off x="5742011" y="3576762"/>
+                <a:ext cx="821507" cy="276999"/>
+              </a:xfrm>
+              <a:prstGeom prst="rect">
+                <a:avLst/>
+              </a:prstGeom>
+              <a:blipFill>
+                <a:blip r:embed="rId4"/>
+                <a:stretch>
+                  <a:fillRect t="-10370" r="-33333" b="-9630"/>
+                </a:stretch>
+              </a:blipFill>
+            </p:spPr>
+            <p:txBody>
+              <a:bodyPr/>
+              <a:lstStyle/>
+              <a:p>
+                <a:r>
+                  <a:rPr lang="en-US">
+                    <a:noFill/>
+                  </a:rPr>
+                  <a:t> </a:t>
+                </a:r>
+              </a:p>
+            </p:txBody>
+          </p:sp>
+        </mc:Fallback>
+      </mc:AlternateContent>
+    </p:spTree>
+    <p:extLst>
+      <p:ext uri="{BB962C8B-B14F-4D97-AF65-F5344CB8AC3E}">
+        <p14:creationId xmlns:p14="http://schemas.microsoft.com/office/powerpoint/2010/main" val="527105064"/>
+      </p:ext>
+    </p:extLst>
+  </p:cSld>
+  <p:clrMapOvr>
+    <a:masterClrMapping/>
+  </p:clrMapOvr>
+</p:sld>
+</file>
+
+<file path=ppt/slides/slide11.xml><?xml version="1.0" encoding="utf-8"?>
 <p:sld xmlns:a="http://schemas.openxmlformats.org/drawingml/2006/main" xmlns:r="http://schemas.openxmlformats.org/officeDocument/2006/relationships" xmlns:p="http://schemas.openxmlformats.org/presentationml/2006/main">
   <p:cSld>
     <p:spTree>
@@ -10781,7 +11005,7 @@
 </p:sld>
 </file>
 
-<file path=ppt/slides/slide11.xml><?xml version="1.0" encoding="utf-8"?>
+<file path=ppt/slides/slide12.xml><?xml version="1.0" encoding="utf-8"?>
 <p:sld xmlns:a="http://schemas.openxmlformats.org/drawingml/2006/main" xmlns:r="http://schemas.openxmlformats.org/officeDocument/2006/relationships" xmlns:p="http://schemas.openxmlformats.org/presentationml/2006/main">
   <p:cSld>
     <p:spTree>
@@ -10871,7 +11095,7 @@
 </p:sld>
 </file>
 
-<file path=ppt/slides/slide12.xml><?xml version="1.0" encoding="utf-8"?>
+<file path=ppt/slides/slide13.xml><?xml version="1.0" encoding="utf-8"?>
 <p:sld xmlns:a="http://schemas.openxmlformats.org/drawingml/2006/main" xmlns:r="http://schemas.openxmlformats.org/officeDocument/2006/relationships" xmlns:p="http://schemas.openxmlformats.org/presentationml/2006/main">
   <p:cSld>
     <p:spTree>
@@ -12427,7 +12651,7 @@
 </p:sld>
 </file>
 
-<file path=ppt/slides/slide13.xml><?xml version="1.0" encoding="utf-8"?>
+<file path=ppt/slides/slide14.xml><?xml version="1.0" encoding="utf-8"?>
 <p:sld xmlns:a="http://schemas.openxmlformats.org/drawingml/2006/main" xmlns:r="http://schemas.openxmlformats.org/officeDocument/2006/relationships" xmlns:p="http://schemas.openxmlformats.org/presentationml/2006/main">
   <p:cSld>
     <p:spTree>
@@ -12540,7 +12764,7 @@
 </p:sld>
 </file>
 
-<file path=ppt/slides/slide14.xml><?xml version="1.0" encoding="utf-8"?>
+<file path=ppt/slides/slide15.xml><?xml version="1.0" encoding="utf-8"?>
 <p:sld xmlns:a="http://schemas.openxmlformats.org/drawingml/2006/main" xmlns:r="http://schemas.openxmlformats.org/officeDocument/2006/relationships" xmlns:p="http://schemas.openxmlformats.org/presentationml/2006/main">
   <p:cSld>
     <p:spTree>
@@ -12576,7 +12800,7 @@
 </p:sld>
 </file>
 
-<file path=ppt/slides/slide15.xml><?xml version="1.0" encoding="utf-8"?>
+<file path=ppt/slides/slide16.xml><?xml version="1.0" encoding="utf-8"?>
 <p:sld xmlns:a="http://schemas.openxmlformats.org/drawingml/2006/main" xmlns:r="http://schemas.openxmlformats.org/officeDocument/2006/relationships" xmlns:p="http://schemas.openxmlformats.org/presentationml/2006/main">
   <p:cSld>
     <p:spTree>
@@ -12612,7 +12836,7 @@
 </p:sld>
 </file>
 
-<file path=ppt/slides/slide16.xml><?xml version="1.0" encoding="utf-8"?>
+<file path=ppt/slides/slide17.xml><?xml version="1.0" encoding="utf-8"?>
 <p:sld xmlns:a="http://schemas.openxmlformats.org/drawingml/2006/main" xmlns:r="http://schemas.openxmlformats.org/officeDocument/2006/relationships" xmlns:p="http://schemas.openxmlformats.org/presentationml/2006/main">
   <p:cSld>
     <p:spTree>
@@ -12648,7 +12872,7 @@
 </p:sld>
 </file>
 
-<file path=ppt/slides/slide17.xml><?xml version="1.0" encoding="utf-8"?>
+<file path=ppt/slides/slide18.xml><?xml version="1.0" encoding="utf-8"?>
 <p:sld xmlns:a="http://schemas.openxmlformats.org/drawingml/2006/main" xmlns:r="http://schemas.openxmlformats.org/officeDocument/2006/relationships" xmlns:p="http://schemas.openxmlformats.org/presentationml/2006/main">
   <p:cSld>
     <p:spTree>
@@ -12684,7 +12908,7 @@
 </p:sld>
 </file>
 
-<file path=ppt/slides/slide18.xml><?xml version="1.0" encoding="utf-8"?>
+<file path=ppt/slides/slide19.xml><?xml version="1.0" encoding="utf-8"?>
 <p:sld xmlns:a="http://schemas.openxmlformats.org/drawingml/2006/main" xmlns:r="http://schemas.openxmlformats.org/officeDocument/2006/relationships" xmlns:p="http://schemas.openxmlformats.org/presentationml/2006/main">
   <p:cSld>
     <p:spTree>
@@ -18476,8 +18700,8 @@
           </a:p>
         </p:txBody>
       </p:sp>
-      <mc:AlternateContent xmlns:mc="http://schemas.openxmlformats.org/markup-compatibility/2006">
-        <mc:Choice xmlns:a14="http://schemas.microsoft.com/office/drawing/2010/main" Requires="a14">
+      <mc:AlternateContent xmlns:mc="http://schemas.openxmlformats.org/markup-compatibility/2006" xmlns:a14="http://schemas.microsoft.com/office/drawing/2010/main">
+        <mc:Choice Requires="a14">
           <p:sp>
             <p:nvSpPr>
               <p:cNvPr id="5" name="TextBox 4">
@@ -18535,7 +18759,7 @@
             </p:txBody>
           </p:sp>
         </mc:Choice>
-        <mc:Fallback>
+        <mc:Fallback xmlns="">
           <p:sp>
             <p:nvSpPr>
               <p:cNvPr id="5" name="TextBox 4">
@@ -19396,8 +19620,8 @@
           </a:p>
         </p:txBody>
       </p:sp>
-      <mc:AlternateContent xmlns:mc="http://schemas.openxmlformats.org/markup-compatibility/2006">
-        <mc:Choice xmlns:a14="http://schemas.microsoft.com/office/drawing/2010/main" Requires="a14">
+      <mc:AlternateContent xmlns:mc="http://schemas.openxmlformats.org/markup-compatibility/2006" xmlns:a14="http://schemas.microsoft.com/office/drawing/2010/main">
+        <mc:Choice Requires="a14">
           <p:sp>
             <p:nvSpPr>
               <p:cNvPr id="16" name="TextBox 15">
@@ -19604,14 +19828,7 @@
                           <a:latin typeface="Cambria Math" panose="02040503050406030204" pitchFamily="18" charset="0"/>
                           <a:ea typeface="Cambria Math" panose="02040503050406030204" pitchFamily="18" charset="0"/>
                         </a:rPr>
-                        <m:t>=</m:t>
-                      </m:r>
-                      <m:r>
-                        <a:rPr lang="en-US" i="1">
-                          <a:latin typeface="Cambria Math" panose="02040503050406030204" pitchFamily="18" charset="0"/>
-                          <a:ea typeface="Cambria Math" panose="02040503050406030204" pitchFamily="18" charset="0"/>
-                        </a:rPr>
-                        <m:t>2.1823</m:t>
+                        <m:t>=2.1823</m:t>
                       </m:r>
                     </m:oMath>
                   </m:oMathPara>
@@ -19621,7 +19838,7 @@
             </p:txBody>
           </p:sp>
         </mc:Choice>
-        <mc:Fallback>
+        <mc:Fallback xmlns="">
           <p:sp>
             <p:nvSpPr>
               <p:cNvPr id="16" name="TextBox 15">
@@ -19666,8 +19883,8 @@
           </p:sp>
         </mc:Fallback>
       </mc:AlternateContent>
-      <mc:AlternateContent xmlns:mc="http://schemas.openxmlformats.org/markup-compatibility/2006">
-        <mc:Choice xmlns:a14="http://schemas.microsoft.com/office/drawing/2010/main" Requires="a14">
+      <mc:AlternateContent xmlns:mc="http://schemas.openxmlformats.org/markup-compatibility/2006" xmlns:a14="http://schemas.microsoft.com/office/drawing/2010/main">
+        <mc:Choice Requires="a14">
           <p:sp>
             <p:nvSpPr>
               <p:cNvPr id="17" name="TextBox 16">
@@ -19757,14 +19974,7 @@
                           <a:latin typeface="Cambria Math" panose="02040503050406030204" pitchFamily="18" charset="0"/>
                           <a:ea typeface="Cambria Math" panose="02040503050406030204" pitchFamily="18" charset="0"/>
                         </a:rPr>
-                        <m:t>=</m:t>
-                      </m:r>
-                      <m:r>
-                        <a:rPr lang="en-US" i="1">
-                          <a:latin typeface="Cambria Math" panose="02040503050406030204" pitchFamily="18" charset="0"/>
-                          <a:ea typeface="Cambria Math" panose="02040503050406030204" pitchFamily="18" charset="0"/>
-                        </a:rPr>
-                        <m:t>2.8792</m:t>
+                        <m:t>=2.8792</m:t>
                       </m:r>
                     </m:oMath>
                   </m:oMathPara>
@@ -19777,7 +19987,7 @@
             </p:txBody>
           </p:sp>
         </mc:Choice>
-        <mc:Fallback>
+        <mc:Fallback xmlns="">
           <p:sp>
             <p:nvSpPr>
               <p:cNvPr id="17" name="TextBox 16">
@@ -20259,12 +20469,42 @@
           <a:chExt cx="0" cy="0"/>
         </a:xfrm>
       </p:grpSpPr>
+      <p:pic>
+        <p:nvPicPr>
+          <p:cNvPr id="5" name="Picture 4">
+            <a:extLst>
+              <a:ext uri="{FF2B5EF4-FFF2-40B4-BE49-F238E27FC236}">
+                <a16:creationId xmlns:a16="http://schemas.microsoft.com/office/drawing/2014/main" id="{51DA9D22-577F-7FA8-73EF-757BB978425C}"/>
+              </a:ext>
+            </a:extLst>
+          </p:cNvPr>
+          <p:cNvPicPr>
+            <a:picLocks noChangeAspect="1"/>
+          </p:cNvPicPr>
+          <p:nvPr/>
+        </p:nvPicPr>
+        <p:blipFill>
+          <a:blip r:embed="rId2"/>
+          <a:stretch>
+            <a:fillRect/>
+          </a:stretch>
+        </p:blipFill>
+        <p:spPr>
+          <a:xfrm>
+            <a:off x="6096000" y="695246"/>
+            <a:ext cx="5573248" cy="4369245"/>
+          </a:xfrm>
+          <a:prstGeom prst="rect">
+            <a:avLst/>
+          </a:prstGeom>
+        </p:spPr>
+      </p:pic>
       <p:sp>
         <p:nvSpPr>
-          <p:cNvPr id="4" name="TextBox 3">
+          <p:cNvPr id="8" name="TextBox 7">
             <a:extLst>
               <a:ext uri="{FF2B5EF4-FFF2-40B4-BE49-F238E27FC236}">
-                <a16:creationId xmlns:a16="http://schemas.microsoft.com/office/drawing/2014/main" id="{292E59A1-AA94-B8E7-75E3-C44691ABE733}"/>
+                <a16:creationId xmlns:a16="http://schemas.microsoft.com/office/drawing/2014/main" id="{3F3CCFAA-099E-E4C1-791C-4265AAD0E1F8}"/>
               </a:ext>
             </a:extLst>
           </p:cNvPr>
@@ -20273,15 +20513,166 @@
         </p:nvSpPr>
         <p:spPr>
           <a:xfrm>
-            <a:off x="2570284" y="31288"/>
-            <a:ext cx="7178504" cy="369332"/>
+            <a:off x="289560" y="812215"/>
+            <a:ext cx="6096000" cy="3970318"/>
           </a:xfrm>
           <a:prstGeom prst="rect">
             <a:avLst/>
           </a:prstGeom>
-          <a:solidFill>
-            <a:srgbClr val="FFFF00"/>
-          </a:solidFill>
+          <a:noFill/>
+        </p:spPr>
+        <p:txBody>
+          <a:bodyPr wrap="square">
+            <a:spAutoFit/>
+          </a:bodyPr>
+          <a:lstStyle/>
+          <a:p>
+            <a:pPr>
+              <a:buNone/>
+            </a:pPr>
+            <a:r>
+              <a:rPr lang="en-US" sz="1800" b="0" i="0" dirty="0" err="1">
+                <a:effectLst/>
+                <a:latin typeface="Menlo"/>
+              </a:rPr>
+              <a:t>batch_omega</a:t>
+            </a:r>
+            <a:r>
+              <a:rPr lang="en-US" sz="1800" b="0" i="0" dirty="0">
+                <a:effectLst/>
+                <a:latin typeface="Menlo"/>
+              </a:rPr>
+              <a:t> = 2.1823*2;</a:t>
+            </a:r>
+          </a:p>
+          <a:p>
+            <a:pPr>
+              <a:buNone/>
+            </a:pPr>
+            <a:r>
+              <a:rPr lang="en-US" sz="1800" b="0" i="0" dirty="0" err="1">
+                <a:effectLst/>
+                <a:latin typeface="Menlo"/>
+              </a:rPr>
+              <a:t>batch_epsilon</a:t>
+            </a:r>
+            <a:r>
+              <a:rPr lang="en-US" sz="1800" b="0" i="0" dirty="0">
+                <a:effectLst/>
+                <a:latin typeface="Menlo"/>
+              </a:rPr>
+              <a:t> = 0.10;</a:t>
+            </a:r>
+          </a:p>
+          <a:p>
+            <a:pPr>
+              <a:buNone/>
+            </a:pPr>
+            <a:endParaRPr lang="en-US" dirty="0">
+              <a:latin typeface="Menlo"/>
+            </a:endParaRPr>
+          </a:p>
+          <a:p>
+            <a:r>
+              <a:rPr lang="en-US" dirty="0"/>
+              <a:t>beta = 1; % damping coefficient</a:t>
+            </a:r>
+            <a:endParaRPr lang="en-US" sz="1800" b="0" i="0" dirty="0">
+              <a:effectLst/>
+              <a:latin typeface="Menlo"/>
+            </a:endParaRPr>
+          </a:p>
+          <a:p>
+            <a:pPr>
+              <a:buNone/>
+            </a:pPr>
+            <a:endParaRPr lang="en-US" dirty="0">
+              <a:latin typeface="Menlo"/>
+            </a:endParaRPr>
+          </a:p>
+          <a:p>
+            <a:r>
+              <a:rPr lang="en-US" dirty="0"/>
+              <a:t>N = 20; % number of particles</a:t>
+            </a:r>
+          </a:p>
+          <a:p>
+            <a:r>
+              <a:rPr lang="en-US" dirty="0"/>
+              <a:t>L = N*2^(1/6); % domain width</a:t>
+            </a:r>
+          </a:p>
+          <a:p>
+            <a:r>
+              <a:rPr lang="en-US" dirty="0" err="1"/>
+              <a:t>rc</a:t>
+            </a:r>
+            <a:r>
+              <a:rPr lang="en-US" dirty="0"/>
+              <a:t> = 1.5; % cut off distance of Lennard Jones potential</a:t>
+            </a:r>
+          </a:p>
+          <a:p>
+            <a:pPr>
+              <a:buNone/>
+            </a:pPr>
+            <a:endParaRPr lang="en-US" sz="1800" b="0" i="0" dirty="0">
+              <a:effectLst/>
+              <a:latin typeface="Menlo"/>
+            </a:endParaRPr>
+          </a:p>
+          <a:p>
+            <a:pPr>
+              <a:buNone/>
+            </a:pPr>
+            <a:endParaRPr lang="en-US" dirty="0">
+              <a:latin typeface="Menlo"/>
+            </a:endParaRPr>
+          </a:p>
+          <a:p>
+            <a:r>
+              <a:rPr lang="en-US" dirty="0"/>
+              <a:t>perturbation = 1E-3*ones(N,1); perturbation(2:2:end) = -perturbation(2:2:end);</a:t>
+            </a:r>
+          </a:p>
+          <a:p>
+            <a:r>
+              <a:rPr lang="en-US" dirty="0"/>
+              <a:t>x0 = (0:N-1).'*2^(1/6) + 2^(1/6)/2 + perturbation; </a:t>
+            </a:r>
+          </a:p>
+          <a:p>
+            <a:pPr>
+              <a:buNone/>
+            </a:pPr>
+            <a:endParaRPr lang="en-US" sz="1800" b="0" i="0" dirty="0">
+              <a:effectLst/>
+              <a:latin typeface="Menlo"/>
+            </a:endParaRPr>
+          </a:p>
+        </p:txBody>
+      </p:sp>
+      <p:sp>
+        <p:nvSpPr>
+          <p:cNvPr id="9" name="TextBox 8">
+            <a:extLst>
+              <a:ext uri="{FF2B5EF4-FFF2-40B4-BE49-F238E27FC236}">
+                <a16:creationId xmlns:a16="http://schemas.microsoft.com/office/drawing/2014/main" id="{861F91C6-4766-6A48-3972-2B80CDE1DB4D}"/>
+              </a:ext>
+            </a:extLst>
+          </p:cNvPr>
+          <p:cNvSpPr txBox="1"/>
+          <p:nvPr/>
+        </p:nvSpPr>
+        <p:spPr>
+          <a:xfrm>
+            <a:off x="289560" y="5388159"/>
+            <a:ext cx="2792303" cy="369332"/>
+          </a:xfrm>
+          <a:prstGeom prst="rect">
+            <a:avLst/>
+          </a:prstGeom>
+          <a:noFill/>
         </p:spPr>
         <p:txBody>
           <a:bodyPr wrap="none" rtlCol="0">
@@ -20291,7 +20682,7 @@
           <a:p>
             <a:r>
               <a:rPr lang="en-US" dirty="0"/>
-              <a:t>20251205/3: Parametric Excitation of the Normal Mode in 2D LJ system</a:t>
+              <a:t>No convergence AT ALL ….</a:t>
             </a:r>
           </a:p>
         </p:txBody>
@@ -20299,7 +20690,7 @@
     </p:spTree>
     <p:extLst>
       <p:ext uri="{BB962C8B-B14F-4D97-AF65-F5344CB8AC3E}">
-        <p14:creationId xmlns:p14="http://schemas.microsoft.com/office/powerpoint/2010/main" val="527105064"/>
+        <p14:creationId xmlns:p14="http://schemas.microsoft.com/office/powerpoint/2010/main" val="2321212605"/>
       </p:ext>
     </p:extLst>
   </p:cSld>
